--- a/brand_review_template.pptx
+++ b/brand_review_template.pptx
@@ -5,7 +5,7 @@
     <p:sldMasterId id="2147483660" r:id="rId4"/>
   </p:sldMasterIdLst>
   <p:notesMasterIdLst>
-    <p:notesMasterId r:id="rId10"/>
+    <p:notesMasterId r:id="rId11"/>
   </p:notesMasterIdLst>
   <p:sldIdLst>
     <p:sldId id="257" r:id="rId5"/>
@@ -13,6 +13,7 @@
     <p:sldId id="259" r:id="rId7"/>
     <p:sldId id="260" r:id="rId8"/>
     <p:sldId id="261" r:id="rId9"/>
+    <p:sldId id="262" r:id="rId10"/>
   </p:sldIdLst>
   <p:sldSz cx="12192000" cy="6858000"/>
   <p:notesSz cx="6858000" cy="9144000"/>
@@ -117,14 +118,6 @@
     </p:ext>
   </p:extLst>
 </p:presentation>
-</file>
-
-<file path=ppt/revisionInfo.xml><?xml version="1.0" encoding="utf-8"?>
-<p1510:revInfo xmlns:a="http://schemas.openxmlformats.org/drawingml/2006/main" xmlns:r="http://schemas.openxmlformats.org/officeDocument/2006/relationships" xmlns:p1510="http://schemas.microsoft.com/office/powerpoint/2015/10/main">
-  <p1510:revLst>
-    <p1510:client id="{A89C8424-DD28-2A49-A91D-47190C250744}" v="12" dt="2024-08-31T12:27:58.045"/>
-  </p1510:revLst>
-</p1510:revInfo>
 </file>
 
 <file path=ppt/notesMasters/notesMaster1.xml><?xml version="1.0" encoding="utf-8"?>
@@ -523,9 +516,6 @@
           <a:p>
             <a:endParaRPr lang="en-GB" dirty="0"/>
           </a:p>
-          <a:p>
-            <a:endParaRPr lang="en-GB" dirty="0"/>
-          </a:p>
         </p:txBody>
       </p:sp>
       <p:sp>
@@ -572,7 +562,7 @@
         <p:cNvPr id="1" name="">
           <a:extLst>
             <a:ext uri="{FF2B5EF4-FFF2-40B4-BE49-F238E27FC236}">
-              <a16:creationId xmlns:a16="http://schemas.microsoft.com/office/drawing/2014/main" id="{47358CB6-24E2-5245-14A7-4BCFD65A5CB6}"/>
+              <a16:creationId xmlns:a16="http://schemas.microsoft.com/office/drawing/2014/main" id="{49D38F63-9C4F-B747-F160-6D359F528493}"/>
             </a:ext>
           </a:extLst>
         </p:cNvPr>
@@ -592,7 +582,7 @@
           <p:cNvPr id="2" name="Slide Image Placeholder 1">
             <a:extLst>
               <a:ext uri="{FF2B5EF4-FFF2-40B4-BE49-F238E27FC236}">
-                <a16:creationId xmlns:a16="http://schemas.microsoft.com/office/drawing/2014/main" id="{F6329F19-F3C3-DF9C-1A78-F8F752A29DCA}"/>
+                <a16:creationId xmlns:a16="http://schemas.microsoft.com/office/drawing/2014/main" id="{C3272B10-F6FE-2B0E-750E-05B2B9CFEA9D}"/>
               </a:ext>
             </a:extLst>
           </p:cNvPr>
@@ -610,7 +600,7 @@
           <p:cNvPr id="3" name="Notes Placeholder 2">
             <a:extLst>
               <a:ext uri="{FF2B5EF4-FFF2-40B4-BE49-F238E27FC236}">
-                <a16:creationId xmlns:a16="http://schemas.microsoft.com/office/drawing/2014/main" id="{6B473E73-F90A-6E08-A6E7-3386A9BF0983}"/>
+                <a16:creationId xmlns:a16="http://schemas.microsoft.com/office/drawing/2014/main" id="{480112B0-F005-B16E-0665-F0BF06C1810E}"/>
               </a:ext>
             </a:extLst>
           </p:cNvPr>
@@ -628,9 +618,6 @@
           <a:p>
             <a:endParaRPr lang="en-GB" dirty="0"/>
           </a:p>
-          <a:p>
-            <a:endParaRPr lang="en-GB" dirty="0"/>
-          </a:p>
         </p:txBody>
       </p:sp>
       <p:sp>
@@ -638,7 +625,7 @@
           <p:cNvPr id="4" name="Slide Number Placeholder 3">
             <a:extLst>
               <a:ext uri="{FF2B5EF4-FFF2-40B4-BE49-F238E27FC236}">
-                <a16:creationId xmlns:a16="http://schemas.microsoft.com/office/drawing/2014/main" id="{9DC610C1-5D50-E6DC-4ECC-BDB0C19254A0}"/>
+                <a16:creationId xmlns:a16="http://schemas.microsoft.com/office/drawing/2014/main" id="{8FB7935D-EC1E-6735-1979-73866057387E}"/>
               </a:ext>
             </a:extLst>
           </p:cNvPr>
@@ -665,7 +652,7 @@
     </p:spTree>
     <p:extLst>
       <p:ext uri="{BB962C8B-B14F-4D97-AF65-F5344CB8AC3E}">
-        <p14:creationId xmlns:p14="http://schemas.microsoft.com/office/powerpoint/2010/main" val="3627523762"/>
+        <p14:creationId xmlns:p14="http://schemas.microsoft.com/office/powerpoint/2010/main" val="1734944407"/>
       </p:ext>
     </p:extLst>
   </p:cSld>
@@ -683,7 +670,7 @@
         <p:cNvPr id="1" name="">
           <a:extLst>
             <a:ext uri="{FF2B5EF4-FFF2-40B4-BE49-F238E27FC236}">
-              <a16:creationId xmlns:a16="http://schemas.microsoft.com/office/drawing/2014/main" id="{1E46B9F1-443B-FBBE-FAC9-F03A98A606A6}"/>
+              <a16:creationId xmlns:a16="http://schemas.microsoft.com/office/drawing/2014/main" id="{E88C697D-E19D-AE74-E729-E1ED128B4575}"/>
             </a:ext>
           </a:extLst>
         </p:cNvPr>
@@ -703,7 +690,7 @@
           <p:cNvPr id="2" name="Slide Image Placeholder 1">
             <a:extLst>
               <a:ext uri="{FF2B5EF4-FFF2-40B4-BE49-F238E27FC236}">
-                <a16:creationId xmlns:a16="http://schemas.microsoft.com/office/drawing/2014/main" id="{7C8962DF-16D4-5D4B-00A7-67F4B1C2859A}"/>
+                <a16:creationId xmlns:a16="http://schemas.microsoft.com/office/drawing/2014/main" id="{6CBDFB71-EB19-8BA2-841E-F4E014119C1E}"/>
               </a:ext>
             </a:extLst>
           </p:cNvPr>
@@ -721,7 +708,7 @@
           <p:cNvPr id="3" name="Notes Placeholder 2">
             <a:extLst>
               <a:ext uri="{FF2B5EF4-FFF2-40B4-BE49-F238E27FC236}">
-                <a16:creationId xmlns:a16="http://schemas.microsoft.com/office/drawing/2014/main" id="{F9CD166D-6C09-B038-654C-08ED2A940141}"/>
+                <a16:creationId xmlns:a16="http://schemas.microsoft.com/office/drawing/2014/main" id="{98F9620C-AF52-78EB-319A-020309A8D6AE}"/>
               </a:ext>
             </a:extLst>
           </p:cNvPr>
@@ -739,9 +726,6 @@
           <a:p>
             <a:endParaRPr lang="en-GB" dirty="0"/>
           </a:p>
-          <a:p>
-            <a:endParaRPr lang="en-GB" dirty="0"/>
-          </a:p>
         </p:txBody>
       </p:sp>
       <p:sp>
@@ -749,7 +733,7 @@
           <p:cNvPr id="4" name="Slide Number Placeholder 3">
             <a:extLst>
               <a:ext uri="{FF2B5EF4-FFF2-40B4-BE49-F238E27FC236}">
-                <a16:creationId xmlns:a16="http://schemas.microsoft.com/office/drawing/2014/main" id="{CB573B30-B2C3-10CB-5A88-E32D3853FB4E}"/>
+                <a16:creationId xmlns:a16="http://schemas.microsoft.com/office/drawing/2014/main" id="{8FD69B7C-84E0-7E1B-A300-293045FBA0A0}"/>
               </a:ext>
             </a:extLst>
           </p:cNvPr>
@@ -776,7 +760,7 @@
     </p:spTree>
     <p:extLst>
       <p:ext uri="{BB962C8B-B14F-4D97-AF65-F5344CB8AC3E}">
-        <p14:creationId xmlns:p14="http://schemas.microsoft.com/office/powerpoint/2010/main" val="747631716"/>
+        <p14:creationId xmlns:p14="http://schemas.microsoft.com/office/powerpoint/2010/main" val="2796176469"/>
       </p:ext>
     </p:extLst>
   </p:cSld>
@@ -794,7 +778,7 @@
         <p:cNvPr id="1" name="">
           <a:extLst>
             <a:ext uri="{FF2B5EF4-FFF2-40B4-BE49-F238E27FC236}">
-              <a16:creationId xmlns:a16="http://schemas.microsoft.com/office/drawing/2014/main" id="{9C2A15E9-5CA7-DDCF-EF2D-9A0A633201DD}"/>
+              <a16:creationId xmlns:a16="http://schemas.microsoft.com/office/drawing/2014/main" id="{CE0DDD3F-AFC7-1F4F-805D-07F49F4F97DF}"/>
             </a:ext>
           </a:extLst>
         </p:cNvPr>
@@ -814,7 +798,7 @@
           <p:cNvPr id="2" name="Slide Image Placeholder 1">
             <a:extLst>
               <a:ext uri="{FF2B5EF4-FFF2-40B4-BE49-F238E27FC236}">
-                <a16:creationId xmlns:a16="http://schemas.microsoft.com/office/drawing/2014/main" id="{39DAB0CC-7B47-0411-3950-DDF6E3E98871}"/>
+                <a16:creationId xmlns:a16="http://schemas.microsoft.com/office/drawing/2014/main" id="{5FAB59CF-DE01-610E-3781-A1AA588F34D1}"/>
               </a:ext>
             </a:extLst>
           </p:cNvPr>
@@ -832,7 +816,7 @@
           <p:cNvPr id="3" name="Notes Placeholder 2">
             <a:extLst>
               <a:ext uri="{FF2B5EF4-FFF2-40B4-BE49-F238E27FC236}">
-                <a16:creationId xmlns:a16="http://schemas.microsoft.com/office/drawing/2014/main" id="{CD938BC4-31D0-72AB-A828-2FAAE6060E33}"/>
+                <a16:creationId xmlns:a16="http://schemas.microsoft.com/office/drawing/2014/main" id="{81E287E7-1706-0796-5C8D-B41D834230DB}"/>
               </a:ext>
             </a:extLst>
           </p:cNvPr>
@@ -850,9 +834,6 @@
           <a:p>
             <a:endParaRPr lang="en-GB" dirty="0"/>
           </a:p>
-          <a:p>
-            <a:endParaRPr lang="en-GB" dirty="0"/>
-          </a:p>
         </p:txBody>
       </p:sp>
       <p:sp>
@@ -860,7 +841,7 @@
           <p:cNvPr id="4" name="Slide Number Placeholder 3">
             <a:extLst>
               <a:ext uri="{FF2B5EF4-FFF2-40B4-BE49-F238E27FC236}">
-                <a16:creationId xmlns:a16="http://schemas.microsoft.com/office/drawing/2014/main" id="{BB0C61A8-E4A3-E666-9430-3B98503CD81F}"/>
+                <a16:creationId xmlns:a16="http://schemas.microsoft.com/office/drawing/2014/main" id="{8A405BC9-EFC2-3E1F-7A4F-2624C3FB3D61}"/>
               </a:ext>
             </a:extLst>
           </p:cNvPr>
@@ -887,7 +868,7 @@
     </p:spTree>
     <p:extLst>
       <p:ext uri="{BB962C8B-B14F-4D97-AF65-F5344CB8AC3E}">
-        <p14:creationId xmlns:p14="http://schemas.microsoft.com/office/powerpoint/2010/main" val="2244449556"/>
+        <p14:creationId xmlns:p14="http://schemas.microsoft.com/office/powerpoint/2010/main" val="2444706875"/>
       </p:ext>
     </p:extLst>
   </p:cSld>
@@ -905,7 +886,7 @@
         <p:cNvPr id="1" name="">
           <a:extLst>
             <a:ext uri="{FF2B5EF4-FFF2-40B4-BE49-F238E27FC236}">
-              <a16:creationId xmlns:a16="http://schemas.microsoft.com/office/drawing/2014/main" id="{B623E740-4C5C-1BFB-289C-29DFD4BC02AB}"/>
+              <a16:creationId xmlns:a16="http://schemas.microsoft.com/office/drawing/2014/main" id="{000919BE-B13C-25F3-4F14-8DB6D346B199}"/>
             </a:ext>
           </a:extLst>
         </p:cNvPr>
@@ -925,7 +906,7 @@
           <p:cNvPr id="2" name="Slide Image Placeholder 1">
             <a:extLst>
               <a:ext uri="{FF2B5EF4-FFF2-40B4-BE49-F238E27FC236}">
-                <a16:creationId xmlns:a16="http://schemas.microsoft.com/office/drawing/2014/main" id="{AD739973-998F-008C-920C-589C3B5383A0}"/>
+                <a16:creationId xmlns:a16="http://schemas.microsoft.com/office/drawing/2014/main" id="{9B58BB89-7C5A-9A86-85FB-2D29FDC52594}"/>
               </a:ext>
             </a:extLst>
           </p:cNvPr>
@@ -943,7 +924,7 @@
           <p:cNvPr id="3" name="Notes Placeholder 2">
             <a:extLst>
               <a:ext uri="{FF2B5EF4-FFF2-40B4-BE49-F238E27FC236}">
-                <a16:creationId xmlns:a16="http://schemas.microsoft.com/office/drawing/2014/main" id="{686DDA4A-6651-4704-BC71-0598A329ACCC}"/>
+                <a16:creationId xmlns:a16="http://schemas.microsoft.com/office/drawing/2014/main" id="{71B4F1D8-2545-3686-C81E-197E96D22EE8}"/>
               </a:ext>
             </a:extLst>
           </p:cNvPr>
@@ -961,9 +942,6 @@
           <a:p>
             <a:endParaRPr lang="en-GB" dirty="0"/>
           </a:p>
-          <a:p>
-            <a:endParaRPr lang="en-GB" dirty="0"/>
-          </a:p>
         </p:txBody>
       </p:sp>
       <p:sp>
@@ -971,7 +949,7 @@
           <p:cNvPr id="4" name="Slide Number Placeholder 3">
             <a:extLst>
               <a:ext uri="{FF2B5EF4-FFF2-40B4-BE49-F238E27FC236}">
-                <a16:creationId xmlns:a16="http://schemas.microsoft.com/office/drawing/2014/main" id="{AC5E301D-74A0-1981-DC46-E0546D871FC3}"/>
+                <a16:creationId xmlns:a16="http://schemas.microsoft.com/office/drawing/2014/main" id="{8568DB01-9DBD-86A9-A818-4C5E6D2CBD57}"/>
               </a:ext>
             </a:extLst>
           </p:cNvPr>
@@ -998,7 +976,115 @@
     </p:spTree>
     <p:extLst>
       <p:ext uri="{BB962C8B-B14F-4D97-AF65-F5344CB8AC3E}">
-        <p14:creationId xmlns:p14="http://schemas.microsoft.com/office/powerpoint/2010/main" val="1967568597"/>
+        <p14:creationId xmlns:p14="http://schemas.microsoft.com/office/powerpoint/2010/main" val="780397425"/>
+      </p:ext>
+    </p:extLst>
+  </p:cSld>
+  <p:clrMapOvr>
+    <a:masterClrMapping/>
+  </p:clrMapOvr>
+</p:notes>
+</file>
+
+<file path=ppt/notesSlides/notesSlide6.xml><?xml version="1.0" encoding="utf-8"?>
+<p:notes xmlns:a="http://schemas.openxmlformats.org/drawingml/2006/main" xmlns:r="http://schemas.openxmlformats.org/officeDocument/2006/relationships" xmlns:p="http://schemas.openxmlformats.org/presentationml/2006/main">
+  <p:cSld>
+    <p:spTree>
+      <p:nvGrpSpPr>
+        <p:cNvPr id="1" name="">
+          <a:extLst>
+            <a:ext uri="{FF2B5EF4-FFF2-40B4-BE49-F238E27FC236}">
+              <a16:creationId xmlns:a16="http://schemas.microsoft.com/office/drawing/2014/main" id="{8B930A6E-0597-1163-E053-6C26363E24E8}"/>
+            </a:ext>
+          </a:extLst>
+        </p:cNvPr>
+        <p:cNvGrpSpPr/>
+        <p:nvPr/>
+      </p:nvGrpSpPr>
+      <p:grpSpPr>
+        <a:xfrm>
+          <a:off x="0" y="0"/>
+          <a:ext cx="0" cy="0"/>
+          <a:chOff x="0" y="0"/>
+          <a:chExt cx="0" cy="0"/>
+        </a:xfrm>
+      </p:grpSpPr>
+      <p:sp>
+        <p:nvSpPr>
+          <p:cNvPr id="2" name="Slide Image Placeholder 1">
+            <a:extLst>
+              <a:ext uri="{FF2B5EF4-FFF2-40B4-BE49-F238E27FC236}">
+                <a16:creationId xmlns:a16="http://schemas.microsoft.com/office/drawing/2014/main" id="{CFFC1C15-6B98-A642-F0DA-37691134C764}"/>
+              </a:ext>
+            </a:extLst>
+          </p:cNvPr>
+          <p:cNvSpPr>
+            <a:spLocks noGrp="1" noRot="1" noChangeAspect="1"/>
+          </p:cNvSpPr>
+          <p:nvPr>
+            <p:ph type="sldImg"/>
+          </p:nvPr>
+        </p:nvSpPr>
+        <p:spPr/>
+      </p:sp>
+      <p:sp>
+        <p:nvSpPr>
+          <p:cNvPr id="3" name="Notes Placeholder 2">
+            <a:extLst>
+              <a:ext uri="{FF2B5EF4-FFF2-40B4-BE49-F238E27FC236}">
+                <a16:creationId xmlns:a16="http://schemas.microsoft.com/office/drawing/2014/main" id="{FF0E238B-37AD-6BBB-F79D-28B04D01D457}"/>
+              </a:ext>
+            </a:extLst>
+          </p:cNvPr>
+          <p:cNvSpPr>
+            <a:spLocks noGrp="1"/>
+          </p:cNvSpPr>
+          <p:nvPr>
+            <p:ph type="body" idx="1"/>
+          </p:nvPr>
+        </p:nvSpPr>
+        <p:spPr/>
+        <p:txBody>
+          <a:bodyPr/>
+          <a:lstStyle/>
+          <a:p>
+            <a:endParaRPr lang="en-GB" dirty="0"/>
+          </a:p>
+        </p:txBody>
+      </p:sp>
+      <p:sp>
+        <p:nvSpPr>
+          <p:cNvPr id="4" name="Slide Number Placeholder 3">
+            <a:extLst>
+              <a:ext uri="{FF2B5EF4-FFF2-40B4-BE49-F238E27FC236}">
+                <a16:creationId xmlns:a16="http://schemas.microsoft.com/office/drawing/2014/main" id="{E4B16FE2-8160-5818-1BBA-02DA3053A79A}"/>
+              </a:ext>
+            </a:extLst>
+          </p:cNvPr>
+          <p:cNvSpPr>
+            <a:spLocks noGrp="1"/>
+          </p:cNvSpPr>
+          <p:nvPr>
+            <p:ph type="sldNum" sz="quarter" idx="5"/>
+          </p:nvPr>
+        </p:nvSpPr>
+        <p:spPr/>
+        <p:txBody>
+          <a:bodyPr/>
+          <a:lstStyle/>
+          <a:p>
+            <a:fld id="{763931CF-879D-C24C-B4FC-A16B88D776C8}" type="slidenum">
+              <a:rPr lang="en-US" smtClean="0"/>
+              <a:t>6</a:t>
+            </a:fld>
+            <a:endParaRPr lang="en-US"/>
+          </a:p>
+        </p:txBody>
+      </p:sp>
+    </p:spTree>
+    <p:extLst>
+      <p:ext uri="{BB962C8B-B14F-4D97-AF65-F5344CB8AC3E}">
+        <p14:creationId xmlns:p14="http://schemas.microsoft.com/office/powerpoint/2010/main" val="2121309624"/>
       </p:ext>
     </p:extLst>
   </p:cSld>
@@ -1309,7 +1395,7 @@
         </p:nvSpPr>
         <p:spPr>
           <a:xfrm>
-            <a:off x="774398" y="3215515"/>
+            <a:off x="774398" y="3713229"/>
             <a:ext cx="2342234" cy="215444"/>
           </a:xfrm>
           <a:prstGeom prst="rect">
@@ -2224,7 +2310,13 @@
           <a:p>
             <a:pPr algn="l"/>
             <a:r>
-              <a:rPr lang="en-GB" sz="1200" dirty="0" err="1">
+              <a:rPr kumimoji="0" lang="en-GB" sz="1200" b="0" i="0" u="none" strike="noStrike" kern="1200" cap="none" spc="0" normalizeH="0" baseline="0" noProof="0" dirty="0" err="1">
+                <a:ln>
+                  <a:noFill/>
+                </a:ln>
+                <a:effectLst/>
+                <a:uLnTx/>
+                <a:uFillTx/>
                 <a:latin typeface="Arial" panose="020B0604020202020204" pitchFamily="34" charset="0"/>
                 <a:cs typeface="Arial" panose="020B0604020202020204" pitchFamily="34" charset="0"/>
               </a:rPr>
@@ -2251,7 +2343,7 @@
         </p:nvSpPr>
         <p:spPr>
           <a:xfrm>
-            <a:off x="763929" y="3500242"/>
+            <a:off x="763929" y="3974804"/>
             <a:ext cx="3622876" cy="184666"/>
           </a:xfrm>
           <a:prstGeom prst="rect">
@@ -2396,7 +2488,7 @@
         <p:cNvPr id="1" name="">
           <a:extLst>
             <a:ext uri="{FF2B5EF4-FFF2-40B4-BE49-F238E27FC236}">
-              <a16:creationId xmlns:a16="http://schemas.microsoft.com/office/drawing/2014/main" id="{29AA1BE6-3700-008F-9578-E7F2EE25116D}"/>
+              <a16:creationId xmlns:a16="http://schemas.microsoft.com/office/drawing/2014/main" id="{CAFB0AD8-B8A7-8021-5678-00AA779A6CCD}"/>
             </a:ext>
           </a:extLst>
         </p:cNvPr>
@@ -2416,7 +2508,7 @@
           <p:cNvPr id="8" name="Text Placeholder 7">
             <a:extLst>
               <a:ext uri="{FF2B5EF4-FFF2-40B4-BE49-F238E27FC236}">
-                <a16:creationId xmlns:a16="http://schemas.microsoft.com/office/drawing/2014/main" id="{B9E24797-3607-DE2F-B9C1-65CCA01E5410}"/>
+                <a16:creationId xmlns:a16="http://schemas.microsoft.com/office/drawing/2014/main" id="{F9FDC0AB-ACEE-529C-9FA3-69BE8282F9D8}"/>
               </a:ext>
             </a:extLst>
           </p:cNvPr>
@@ -2444,7 +2536,7 @@
           <p:cNvPr id="7" name="Title 6">
             <a:extLst>
               <a:ext uri="{FF2B5EF4-FFF2-40B4-BE49-F238E27FC236}">
-                <a16:creationId xmlns:a16="http://schemas.microsoft.com/office/drawing/2014/main" id="{B5C3284D-07B6-A9D3-BEFB-E7A41D663842}"/>
+                <a16:creationId xmlns:a16="http://schemas.microsoft.com/office/drawing/2014/main" id="{A7F4CFF6-DB79-20D8-73D0-80819BA0A3C7}"/>
               </a:ext>
             </a:extLst>
           </p:cNvPr>
@@ -2478,7 +2570,7 @@
           <p:cNvPr id="3" name="TextBox 2">
             <a:extLst>
               <a:ext uri="{FF2B5EF4-FFF2-40B4-BE49-F238E27FC236}">
-                <a16:creationId xmlns:a16="http://schemas.microsoft.com/office/drawing/2014/main" id="{98C19C3A-761E-2318-B7A2-DBB80DAD9F58}"/>
+                <a16:creationId xmlns:a16="http://schemas.microsoft.com/office/drawing/2014/main" id="{E6E363E7-47B5-3C2E-B6B6-6502E6483225}"/>
               </a:ext>
             </a:extLst>
           </p:cNvPr>
@@ -2502,7 +2594,13 @@
           <a:p>
             <a:pPr algn="l"/>
             <a:r>
-              <a:rPr lang="en-GB" sz="1200" dirty="0" err="1">
+              <a:rPr kumimoji="0" lang="en-GB" sz="1200" b="0" i="0" u="none" strike="noStrike" kern="1200" cap="none" spc="0" normalizeH="0" baseline="0" noProof="0" dirty="0" err="1">
+                <a:ln>
+                  <a:noFill/>
+                </a:ln>
+                <a:effectLst/>
+                <a:uLnTx/>
+                <a:uFillTx/>
                 <a:latin typeface="Arial" panose="020B0604020202020204" pitchFamily="34" charset="0"/>
                 <a:cs typeface="Arial" panose="020B0604020202020204" pitchFamily="34" charset="0"/>
               </a:rPr>
@@ -2520,7 +2618,7 @@
           <p:cNvPr id="4" name="TextBox 3">
             <a:extLst>
               <a:ext uri="{FF2B5EF4-FFF2-40B4-BE49-F238E27FC236}">
-                <a16:creationId xmlns:a16="http://schemas.microsoft.com/office/drawing/2014/main" id="{A55718D3-82ED-ACDE-D593-CE86774FB55B}"/>
+                <a16:creationId xmlns:a16="http://schemas.microsoft.com/office/drawing/2014/main" id="{EB9940E9-C91F-0D69-4D72-3D7DDBE4879B}"/>
               </a:ext>
             </a:extLst>
           </p:cNvPr>
@@ -2529,7 +2627,7 @@
         </p:nvSpPr>
         <p:spPr>
           <a:xfrm>
-            <a:off x="763929" y="3500242"/>
+            <a:off x="763929" y="3974804"/>
             <a:ext cx="3622876" cy="184666"/>
           </a:xfrm>
           <a:prstGeom prst="rect">
@@ -2562,7 +2660,7 @@
           <p:cNvPr id="5" name="TextBox 4">
             <a:extLst>
               <a:ext uri="{FF2B5EF4-FFF2-40B4-BE49-F238E27FC236}">
-                <a16:creationId xmlns:a16="http://schemas.microsoft.com/office/drawing/2014/main" id="{09BFA6C9-5284-A11F-B5F5-8722B4742153}"/>
+                <a16:creationId xmlns:a16="http://schemas.microsoft.com/office/drawing/2014/main" id="{132E582A-715E-201C-9C42-66CD39778269}"/>
               </a:ext>
             </a:extLst>
           </p:cNvPr>
@@ -2604,7 +2702,7 @@
           <p:cNvPr id="6" name="TextBox 5">
             <a:extLst>
               <a:ext uri="{FF2B5EF4-FFF2-40B4-BE49-F238E27FC236}">
-                <a16:creationId xmlns:a16="http://schemas.microsoft.com/office/drawing/2014/main" id="{2200A8A8-1A40-1FA6-EFD9-615624DE416A}"/>
+                <a16:creationId xmlns:a16="http://schemas.microsoft.com/office/drawing/2014/main" id="{83C2FE15-A9E3-B96F-8362-6B1662FFC067}"/>
               </a:ext>
             </a:extLst>
           </p:cNvPr>
@@ -2644,7 +2742,7 @@
     </p:spTree>
     <p:extLst>
       <p:ext uri="{BB962C8B-B14F-4D97-AF65-F5344CB8AC3E}">
-        <p14:creationId xmlns:p14="http://schemas.microsoft.com/office/powerpoint/2010/main" val="3850699615"/>
+        <p14:creationId xmlns:p14="http://schemas.microsoft.com/office/powerpoint/2010/main" val="3265762039"/>
       </p:ext>
     </p:extLst>
   </p:cSld>
@@ -2674,7 +2772,7 @@
         <p:cNvPr id="1" name="">
           <a:extLst>
             <a:ext uri="{FF2B5EF4-FFF2-40B4-BE49-F238E27FC236}">
-              <a16:creationId xmlns:a16="http://schemas.microsoft.com/office/drawing/2014/main" id="{F72899CF-D8F3-76E8-DF49-467148A0BCB5}"/>
+              <a16:creationId xmlns:a16="http://schemas.microsoft.com/office/drawing/2014/main" id="{F497DF7F-3AB9-C00B-5B76-14B588B38605}"/>
             </a:ext>
           </a:extLst>
         </p:cNvPr>
@@ -2694,7 +2792,7 @@
           <p:cNvPr id="8" name="Text Placeholder 7">
             <a:extLst>
               <a:ext uri="{FF2B5EF4-FFF2-40B4-BE49-F238E27FC236}">
-                <a16:creationId xmlns:a16="http://schemas.microsoft.com/office/drawing/2014/main" id="{8B48A6CE-4267-6F66-0F6B-A0D4AD247B07}"/>
+                <a16:creationId xmlns:a16="http://schemas.microsoft.com/office/drawing/2014/main" id="{CCBF1EA9-3A58-A038-14E4-8AC80820F725}"/>
               </a:ext>
             </a:extLst>
           </p:cNvPr>
@@ -2722,7 +2820,7 @@
           <p:cNvPr id="7" name="Title 6">
             <a:extLst>
               <a:ext uri="{FF2B5EF4-FFF2-40B4-BE49-F238E27FC236}">
-                <a16:creationId xmlns:a16="http://schemas.microsoft.com/office/drawing/2014/main" id="{C978FE38-73BB-BF8E-C087-60617FA60B12}"/>
+                <a16:creationId xmlns:a16="http://schemas.microsoft.com/office/drawing/2014/main" id="{946640BF-8225-9BFA-F1FC-07AAEF38D3C0}"/>
               </a:ext>
             </a:extLst>
           </p:cNvPr>
@@ -2756,7 +2854,7 @@
           <p:cNvPr id="3" name="TextBox 2">
             <a:extLst>
               <a:ext uri="{FF2B5EF4-FFF2-40B4-BE49-F238E27FC236}">
-                <a16:creationId xmlns:a16="http://schemas.microsoft.com/office/drawing/2014/main" id="{25ADA29D-B114-451B-A07D-A64A1FBE0799}"/>
+                <a16:creationId xmlns:a16="http://schemas.microsoft.com/office/drawing/2014/main" id="{1DFC542B-3958-D519-1F89-3A7D81CDE4E7}"/>
               </a:ext>
             </a:extLst>
           </p:cNvPr>
@@ -2780,7 +2878,13 @@
           <a:p>
             <a:pPr algn="l"/>
             <a:r>
-              <a:rPr lang="en-GB" sz="1200" dirty="0" err="1">
+              <a:rPr kumimoji="0" lang="en-GB" sz="1200" b="0" i="0" u="none" strike="noStrike" kern="1200" cap="none" spc="0" normalizeH="0" baseline="0" noProof="0" dirty="0" err="1">
+                <a:ln>
+                  <a:noFill/>
+                </a:ln>
+                <a:effectLst/>
+                <a:uLnTx/>
+                <a:uFillTx/>
                 <a:latin typeface="Arial" panose="020B0604020202020204" pitchFamily="34" charset="0"/>
                 <a:cs typeface="Arial" panose="020B0604020202020204" pitchFamily="34" charset="0"/>
               </a:rPr>
@@ -2798,7 +2902,7 @@
           <p:cNvPr id="4" name="TextBox 3">
             <a:extLst>
               <a:ext uri="{FF2B5EF4-FFF2-40B4-BE49-F238E27FC236}">
-                <a16:creationId xmlns:a16="http://schemas.microsoft.com/office/drawing/2014/main" id="{D778F1F3-114C-DE89-D265-741B28A698AA}"/>
+                <a16:creationId xmlns:a16="http://schemas.microsoft.com/office/drawing/2014/main" id="{664D1E05-0F3F-7134-D6A4-E84C094E2F63}"/>
               </a:ext>
             </a:extLst>
           </p:cNvPr>
@@ -2807,7 +2911,7 @@
         </p:nvSpPr>
         <p:spPr>
           <a:xfrm>
-            <a:off x="763929" y="3500242"/>
+            <a:off x="763929" y="3974804"/>
             <a:ext cx="3622876" cy="184666"/>
           </a:xfrm>
           <a:prstGeom prst="rect">
@@ -2840,7 +2944,7 @@
           <p:cNvPr id="5" name="TextBox 4">
             <a:extLst>
               <a:ext uri="{FF2B5EF4-FFF2-40B4-BE49-F238E27FC236}">
-                <a16:creationId xmlns:a16="http://schemas.microsoft.com/office/drawing/2014/main" id="{D575F5A2-A63E-99CB-FDEC-87C129DA700F}"/>
+                <a16:creationId xmlns:a16="http://schemas.microsoft.com/office/drawing/2014/main" id="{947C0F21-5075-104A-FC61-E2D52A5CDE29}"/>
               </a:ext>
             </a:extLst>
           </p:cNvPr>
@@ -2882,7 +2986,7 @@
           <p:cNvPr id="6" name="TextBox 5">
             <a:extLst>
               <a:ext uri="{FF2B5EF4-FFF2-40B4-BE49-F238E27FC236}">
-                <a16:creationId xmlns:a16="http://schemas.microsoft.com/office/drawing/2014/main" id="{2B94597B-42C2-FB4D-9FB6-A1439EA37352}"/>
+                <a16:creationId xmlns:a16="http://schemas.microsoft.com/office/drawing/2014/main" id="{E84AC539-F71E-8B90-A99F-DC5754567A30}"/>
               </a:ext>
             </a:extLst>
           </p:cNvPr>
@@ -2922,7 +3026,7 @@
     </p:spTree>
     <p:extLst>
       <p:ext uri="{BB962C8B-B14F-4D97-AF65-F5344CB8AC3E}">
-        <p14:creationId xmlns:p14="http://schemas.microsoft.com/office/powerpoint/2010/main" val="1447798130"/>
+        <p14:creationId xmlns:p14="http://schemas.microsoft.com/office/powerpoint/2010/main" val="2855478829"/>
       </p:ext>
     </p:extLst>
   </p:cSld>
@@ -2952,7 +3056,7 @@
         <p:cNvPr id="1" name="">
           <a:extLst>
             <a:ext uri="{FF2B5EF4-FFF2-40B4-BE49-F238E27FC236}">
-              <a16:creationId xmlns:a16="http://schemas.microsoft.com/office/drawing/2014/main" id="{F3AE7880-FBB4-EB41-C4C6-00A82D698336}"/>
+              <a16:creationId xmlns:a16="http://schemas.microsoft.com/office/drawing/2014/main" id="{E6BF4B5A-50A0-4502-86EB-3D8320FCE6C7}"/>
             </a:ext>
           </a:extLst>
         </p:cNvPr>
@@ -2972,7 +3076,7 @@
           <p:cNvPr id="8" name="Text Placeholder 7">
             <a:extLst>
               <a:ext uri="{FF2B5EF4-FFF2-40B4-BE49-F238E27FC236}">
-                <a16:creationId xmlns:a16="http://schemas.microsoft.com/office/drawing/2014/main" id="{7FE787CF-0E4F-FECD-9C40-3F36786ED41C}"/>
+                <a16:creationId xmlns:a16="http://schemas.microsoft.com/office/drawing/2014/main" id="{8F9F2E69-1441-B9D9-4429-B9FCDC11EDEB}"/>
               </a:ext>
             </a:extLst>
           </p:cNvPr>
@@ -3000,7 +3104,7 @@
           <p:cNvPr id="7" name="Title 6">
             <a:extLst>
               <a:ext uri="{FF2B5EF4-FFF2-40B4-BE49-F238E27FC236}">
-                <a16:creationId xmlns:a16="http://schemas.microsoft.com/office/drawing/2014/main" id="{17DD02F8-31B5-9545-F878-EA13BBB35D09}"/>
+                <a16:creationId xmlns:a16="http://schemas.microsoft.com/office/drawing/2014/main" id="{7B036A75-C886-B42C-04B5-3152819F206F}"/>
               </a:ext>
             </a:extLst>
           </p:cNvPr>
@@ -3034,7 +3138,7 @@
           <p:cNvPr id="3" name="TextBox 2">
             <a:extLst>
               <a:ext uri="{FF2B5EF4-FFF2-40B4-BE49-F238E27FC236}">
-                <a16:creationId xmlns:a16="http://schemas.microsoft.com/office/drawing/2014/main" id="{C8811749-3CAE-A1A4-7DC1-3B0FC0323C80}"/>
+                <a16:creationId xmlns:a16="http://schemas.microsoft.com/office/drawing/2014/main" id="{D38D3EC5-9749-D822-33C1-F13B8EE0C127}"/>
               </a:ext>
             </a:extLst>
           </p:cNvPr>
@@ -3058,7 +3162,13 @@
           <a:p>
             <a:pPr algn="l"/>
             <a:r>
-              <a:rPr lang="en-GB" sz="1200" dirty="0" err="1">
+              <a:rPr kumimoji="0" lang="en-GB" sz="1200" b="0" i="0" u="none" strike="noStrike" kern="1200" cap="none" spc="0" normalizeH="0" baseline="0" noProof="0" dirty="0" err="1">
+                <a:ln>
+                  <a:noFill/>
+                </a:ln>
+                <a:effectLst/>
+                <a:uLnTx/>
+                <a:uFillTx/>
                 <a:latin typeface="Arial" panose="020B0604020202020204" pitchFamily="34" charset="0"/>
                 <a:cs typeface="Arial" panose="020B0604020202020204" pitchFamily="34" charset="0"/>
               </a:rPr>
@@ -3076,7 +3186,7 @@
           <p:cNvPr id="4" name="TextBox 3">
             <a:extLst>
               <a:ext uri="{FF2B5EF4-FFF2-40B4-BE49-F238E27FC236}">
-                <a16:creationId xmlns:a16="http://schemas.microsoft.com/office/drawing/2014/main" id="{D7FA7C0F-CAB2-F65C-E5E9-08F76AE41006}"/>
+                <a16:creationId xmlns:a16="http://schemas.microsoft.com/office/drawing/2014/main" id="{9797F382-6BDC-BF43-C554-17C2FD5A8552}"/>
               </a:ext>
             </a:extLst>
           </p:cNvPr>
@@ -3085,7 +3195,7 @@
         </p:nvSpPr>
         <p:spPr>
           <a:xfrm>
-            <a:off x="763929" y="3500242"/>
+            <a:off x="763929" y="3974804"/>
             <a:ext cx="3622876" cy="184666"/>
           </a:xfrm>
           <a:prstGeom prst="rect">
@@ -3118,7 +3228,7 @@
           <p:cNvPr id="5" name="TextBox 4">
             <a:extLst>
               <a:ext uri="{FF2B5EF4-FFF2-40B4-BE49-F238E27FC236}">
-                <a16:creationId xmlns:a16="http://schemas.microsoft.com/office/drawing/2014/main" id="{3099383B-93E3-77E8-43AC-6BA3FB87E120}"/>
+                <a16:creationId xmlns:a16="http://schemas.microsoft.com/office/drawing/2014/main" id="{B9CEFB2C-E1B6-92CD-05A1-4E98CD621313}"/>
               </a:ext>
             </a:extLst>
           </p:cNvPr>
@@ -3160,7 +3270,7 @@
           <p:cNvPr id="6" name="TextBox 5">
             <a:extLst>
               <a:ext uri="{FF2B5EF4-FFF2-40B4-BE49-F238E27FC236}">
-                <a16:creationId xmlns:a16="http://schemas.microsoft.com/office/drawing/2014/main" id="{A49D1740-D16C-F380-773F-E198E7EE57BD}"/>
+                <a16:creationId xmlns:a16="http://schemas.microsoft.com/office/drawing/2014/main" id="{C1E1299F-6C08-EACE-7C5E-7D5974C09F10}"/>
               </a:ext>
             </a:extLst>
           </p:cNvPr>
@@ -3200,7 +3310,7 @@
     </p:spTree>
     <p:extLst>
       <p:ext uri="{BB962C8B-B14F-4D97-AF65-F5344CB8AC3E}">
-        <p14:creationId xmlns:p14="http://schemas.microsoft.com/office/powerpoint/2010/main" val="3807861975"/>
+        <p14:creationId xmlns:p14="http://schemas.microsoft.com/office/powerpoint/2010/main" val="3101304990"/>
       </p:ext>
     </p:extLst>
   </p:cSld>
@@ -3230,7 +3340,7 @@
         <p:cNvPr id="1" name="">
           <a:extLst>
             <a:ext uri="{FF2B5EF4-FFF2-40B4-BE49-F238E27FC236}">
-              <a16:creationId xmlns:a16="http://schemas.microsoft.com/office/drawing/2014/main" id="{872CB8EB-63E7-A717-B54F-C17B91E57F80}"/>
+              <a16:creationId xmlns:a16="http://schemas.microsoft.com/office/drawing/2014/main" id="{E0151D8E-0C56-CC8C-1E42-BEBF6F24B719}"/>
             </a:ext>
           </a:extLst>
         </p:cNvPr>
@@ -3250,7 +3360,7 @@
           <p:cNvPr id="8" name="Text Placeholder 7">
             <a:extLst>
               <a:ext uri="{FF2B5EF4-FFF2-40B4-BE49-F238E27FC236}">
-                <a16:creationId xmlns:a16="http://schemas.microsoft.com/office/drawing/2014/main" id="{6010401A-C26D-52FC-FF1D-BD20EB390077}"/>
+                <a16:creationId xmlns:a16="http://schemas.microsoft.com/office/drawing/2014/main" id="{F83C997A-9220-B629-77DF-903F942C2F28}"/>
               </a:ext>
             </a:extLst>
           </p:cNvPr>
@@ -3278,7 +3388,7 @@
           <p:cNvPr id="7" name="Title 6">
             <a:extLst>
               <a:ext uri="{FF2B5EF4-FFF2-40B4-BE49-F238E27FC236}">
-                <a16:creationId xmlns:a16="http://schemas.microsoft.com/office/drawing/2014/main" id="{769D3A31-B13D-93F0-62F7-6B0539D0FB7C}"/>
+                <a16:creationId xmlns:a16="http://schemas.microsoft.com/office/drawing/2014/main" id="{99A0BE72-39AE-3C33-0977-41CB9EEB4E56}"/>
               </a:ext>
             </a:extLst>
           </p:cNvPr>
@@ -3312,7 +3422,7 @@
           <p:cNvPr id="3" name="TextBox 2">
             <a:extLst>
               <a:ext uri="{FF2B5EF4-FFF2-40B4-BE49-F238E27FC236}">
-                <a16:creationId xmlns:a16="http://schemas.microsoft.com/office/drawing/2014/main" id="{A94BA03F-D3CC-9432-085C-FE670E2C0F0F}"/>
+                <a16:creationId xmlns:a16="http://schemas.microsoft.com/office/drawing/2014/main" id="{05D0E506-E420-0EDE-EB90-D0C6BCF6488C}"/>
               </a:ext>
             </a:extLst>
           </p:cNvPr>
@@ -3336,7 +3446,13 @@
           <a:p>
             <a:pPr algn="l"/>
             <a:r>
-              <a:rPr lang="en-GB" sz="1200" dirty="0" err="1">
+              <a:rPr kumimoji="0" lang="en-GB" sz="1200" b="0" i="0" u="none" strike="noStrike" kern="1200" cap="none" spc="0" normalizeH="0" baseline="0" noProof="0" dirty="0" err="1">
+                <a:ln>
+                  <a:noFill/>
+                </a:ln>
+                <a:effectLst/>
+                <a:uLnTx/>
+                <a:uFillTx/>
                 <a:latin typeface="Arial" panose="020B0604020202020204" pitchFamily="34" charset="0"/>
                 <a:cs typeface="Arial" panose="020B0604020202020204" pitchFamily="34" charset="0"/>
               </a:rPr>
@@ -3354,7 +3470,7 @@
           <p:cNvPr id="4" name="TextBox 3">
             <a:extLst>
               <a:ext uri="{FF2B5EF4-FFF2-40B4-BE49-F238E27FC236}">
-                <a16:creationId xmlns:a16="http://schemas.microsoft.com/office/drawing/2014/main" id="{8DB72A9C-C9C6-9FF9-3DD9-5E9DCDC38DA1}"/>
+                <a16:creationId xmlns:a16="http://schemas.microsoft.com/office/drawing/2014/main" id="{1F2D3D86-BBD2-8D44-40E3-51B696F6A729}"/>
               </a:ext>
             </a:extLst>
           </p:cNvPr>
@@ -3363,7 +3479,7 @@
         </p:nvSpPr>
         <p:spPr>
           <a:xfrm>
-            <a:off x="763929" y="3500242"/>
+            <a:off x="763929" y="3974804"/>
             <a:ext cx="3622876" cy="184666"/>
           </a:xfrm>
           <a:prstGeom prst="rect">
@@ -3396,7 +3512,7 @@
           <p:cNvPr id="5" name="TextBox 4">
             <a:extLst>
               <a:ext uri="{FF2B5EF4-FFF2-40B4-BE49-F238E27FC236}">
-                <a16:creationId xmlns:a16="http://schemas.microsoft.com/office/drawing/2014/main" id="{77607B85-BABE-34A6-1F3A-F2F8761D7AF7}"/>
+                <a16:creationId xmlns:a16="http://schemas.microsoft.com/office/drawing/2014/main" id="{D1CFD0AF-F045-7C21-B3DE-E5650093A1C0}"/>
               </a:ext>
             </a:extLst>
           </p:cNvPr>
@@ -3438,7 +3554,7 @@
           <p:cNvPr id="6" name="TextBox 5">
             <a:extLst>
               <a:ext uri="{FF2B5EF4-FFF2-40B4-BE49-F238E27FC236}">
-                <a16:creationId xmlns:a16="http://schemas.microsoft.com/office/drawing/2014/main" id="{8D43A31D-5CCD-70D5-B9F6-A830769B1ACD}"/>
+                <a16:creationId xmlns:a16="http://schemas.microsoft.com/office/drawing/2014/main" id="{6E056097-FF89-3A38-E8EC-3ED13B8F30E3}"/>
               </a:ext>
             </a:extLst>
           </p:cNvPr>
@@ -3478,7 +3594,291 @@
     </p:spTree>
     <p:extLst>
       <p:ext uri="{BB962C8B-B14F-4D97-AF65-F5344CB8AC3E}">
-        <p14:creationId xmlns:p14="http://schemas.microsoft.com/office/powerpoint/2010/main" val="3851722753"/>
+        <p14:creationId xmlns:p14="http://schemas.microsoft.com/office/powerpoint/2010/main" val="1181278433"/>
+      </p:ext>
+    </p:extLst>
+  </p:cSld>
+  <p:clrMapOvr>
+    <a:masterClrMapping/>
+  </p:clrMapOvr>
+  <mc:AlternateContent xmlns:mc="http://schemas.openxmlformats.org/markup-compatibility/2006">
+    <mc:Choice xmlns:p14="http://schemas.microsoft.com/office/powerpoint/2010/main" Requires="p14">
+      <p:transition spd="med" p14:dur="700">
+        <p:fade/>
+      </p:transition>
+    </mc:Choice>
+    <mc:Fallback>
+      <p:transition spd="med">
+        <p:fade/>
+      </p:transition>
+    </mc:Fallback>
+  </mc:AlternateContent>
+</p:sld>
+</file>
+
+<file path=ppt/slides/slide6.xml><?xml version="1.0" encoding="utf-8"?>
+<p:sld xmlns:a="http://schemas.openxmlformats.org/drawingml/2006/main" xmlns:r="http://schemas.openxmlformats.org/officeDocument/2006/relationships" xmlns:p="http://schemas.openxmlformats.org/presentationml/2006/main">
+  <p:cSld>
+    <p:spTree>
+      <p:nvGrpSpPr>
+        <p:cNvPr id="1" name="">
+          <a:extLst>
+            <a:ext uri="{FF2B5EF4-FFF2-40B4-BE49-F238E27FC236}">
+              <a16:creationId xmlns:a16="http://schemas.microsoft.com/office/drawing/2014/main" id="{091D3D4A-792A-9191-9AAE-016ACFF056DD}"/>
+            </a:ext>
+          </a:extLst>
+        </p:cNvPr>
+        <p:cNvGrpSpPr/>
+        <p:nvPr/>
+      </p:nvGrpSpPr>
+      <p:grpSpPr>
+        <a:xfrm>
+          <a:off x="0" y="0"/>
+          <a:ext cx="0" cy="0"/>
+          <a:chOff x="0" y="0"/>
+          <a:chExt cx="0" cy="0"/>
+        </a:xfrm>
+      </p:grpSpPr>
+      <p:sp>
+        <p:nvSpPr>
+          <p:cNvPr id="8" name="Text Placeholder 7">
+            <a:extLst>
+              <a:ext uri="{FF2B5EF4-FFF2-40B4-BE49-F238E27FC236}">
+                <a16:creationId xmlns:a16="http://schemas.microsoft.com/office/drawing/2014/main" id="{E627908B-612A-EA27-A0A8-DC984F99CFB6}"/>
+              </a:ext>
+            </a:extLst>
+          </p:cNvPr>
+          <p:cNvSpPr>
+            <a:spLocks noGrp="1"/>
+          </p:cNvSpPr>
+          <p:nvPr>
+            <p:ph type="body" sz="quarter" idx="10"/>
+          </p:nvPr>
+        </p:nvSpPr>
+        <p:spPr/>
+        <p:txBody>
+          <a:bodyPr/>
+          <a:lstStyle/>
+          <a:p>
+            <a:r>
+              <a:rPr lang="en-GB" dirty="0"/>
+              <a:t>Medicine</a:t>
+            </a:r>
+          </a:p>
+        </p:txBody>
+      </p:sp>
+      <p:sp>
+        <p:nvSpPr>
+          <p:cNvPr id="7" name="Title 6">
+            <a:extLst>
+              <a:ext uri="{FF2B5EF4-FFF2-40B4-BE49-F238E27FC236}">
+                <a16:creationId xmlns:a16="http://schemas.microsoft.com/office/drawing/2014/main" id="{6D4367B3-BC0F-92D1-AC99-4882AB04A933}"/>
+              </a:ext>
+            </a:extLst>
+          </p:cNvPr>
+          <p:cNvSpPr>
+            <a:spLocks noGrp="1"/>
+          </p:cNvSpPr>
+          <p:nvPr>
+            <p:ph type="title"/>
+          </p:nvPr>
+        </p:nvSpPr>
+        <p:spPr>
+          <a:xfrm>
+            <a:off x="632459" y="580136"/>
+            <a:ext cx="10751157" cy="731520"/>
+          </a:xfrm>
+        </p:spPr>
+        <p:txBody>
+          <a:bodyPr/>
+          <a:lstStyle/>
+          <a:p>
+            <a:r>
+              <a:rPr lang="en-GB" dirty="0" err="1"/>
+              <a:t>stage_name</a:t>
+            </a:r>
+            <a:endParaRPr lang="en-GB" dirty="0"/>
+          </a:p>
+        </p:txBody>
+      </p:sp>
+      <p:sp>
+        <p:nvSpPr>
+          <p:cNvPr id="3" name="TextBox 2">
+            <a:extLst>
+              <a:ext uri="{FF2B5EF4-FFF2-40B4-BE49-F238E27FC236}">
+                <a16:creationId xmlns:a16="http://schemas.microsoft.com/office/drawing/2014/main" id="{18E13A31-46EB-13BD-953B-D341EC026F3C}"/>
+              </a:ext>
+            </a:extLst>
+          </p:cNvPr>
+          <p:cNvSpPr txBox="1"/>
+          <p:nvPr/>
+        </p:nvSpPr>
+        <p:spPr>
+          <a:xfrm>
+            <a:off x="763929" y="1851951"/>
+            <a:ext cx="3622876" cy="184666"/>
+          </a:xfrm>
+          <a:prstGeom prst="rect">
+            <a:avLst/>
+          </a:prstGeom>
+        </p:spPr>
+        <p:txBody>
+          <a:bodyPr wrap="square" lIns="0" tIns="0" rIns="0" bIns="0" rtlCol="0" anchor="t" anchorCtr="0">
+            <a:spAutoFit/>
+          </a:bodyPr>
+          <a:lstStyle/>
+          <a:p>
+            <a:pPr algn="l"/>
+            <a:r>
+              <a:rPr kumimoji="0" lang="en-GB" sz="1200" b="0" i="0" u="none" strike="noStrike" kern="1200" cap="none" spc="0" normalizeH="0" baseline="0" noProof="0" dirty="0" err="1">
+                <a:ln>
+                  <a:noFill/>
+                </a:ln>
+                <a:effectLst/>
+                <a:uLnTx/>
+                <a:uFillTx/>
+                <a:latin typeface="Arial" panose="020B0604020202020204" pitchFamily="34" charset="0"/>
+                <a:cs typeface="Arial" panose="020B0604020202020204" pitchFamily="34" charset="0"/>
+              </a:rPr>
+              <a:t>stage_overview</a:t>
+            </a:r>
+            <a:endParaRPr lang="en-GB" sz="1200" b="0" dirty="0">
+              <a:latin typeface="Arial" panose="020B0604020202020204" pitchFamily="34" charset="0"/>
+              <a:cs typeface="Arial" panose="020B0604020202020204" pitchFamily="34" charset="0"/>
+            </a:endParaRPr>
+          </a:p>
+        </p:txBody>
+      </p:sp>
+      <p:sp>
+        <p:nvSpPr>
+          <p:cNvPr id="4" name="TextBox 3">
+            <a:extLst>
+              <a:ext uri="{FF2B5EF4-FFF2-40B4-BE49-F238E27FC236}">
+                <a16:creationId xmlns:a16="http://schemas.microsoft.com/office/drawing/2014/main" id="{A57A404F-9AC5-ABC7-B0B2-C50ECAB43609}"/>
+              </a:ext>
+            </a:extLst>
+          </p:cNvPr>
+          <p:cNvSpPr txBox="1"/>
+          <p:nvPr/>
+        </p:nvSpPr>
+        <p:spPr>
+          <a:xfrm>
+            <a:off x="763929" y="3974804"/>
+            <a:ext cx="3622876" cy="184666"/>
+          </a:xfrm>
+          <a:prstGeom prst="rect">
+            <a:avLst/>
+          </a:prstGeom>
+        </p:spPr>
+        <p:txBody>
+          <a:bodyPr wrap="square" lIns="0" tIns="0" rIns="0" bIns="0" rtlCol="0" anchor="t" anchorCtr="0">
+            <a:spAutoFit/>
+          </a:bodyPr>
+          <a:lstStyle/>
+          <a:p>
+            <a:pPr algn="l"/>
+            <a:r>
+              <a:rPr lang="en-GB" sz="1200" dirty="0" err="1">
+                <a:latin typeface="Arial" panose="020B0604020202020204" pitchFamily="34" charset="0"/>
+                <a:cs typeface="Arial" panose="020B0604020202020204" pitchFamily="34" charset="0"/>
+              </a:rPr>
+              <a:t>stage_messaging</a:t>
+            </a:r>
+            <a:endParaRPr lang="en-GB" sz="1200" b="0" dirty="0">
+              <a:latin typeface="Arial" panose="020B0604020202020204" pitchFamily="34" charset="0"/>
+              <a:cs typeface="Arial" panose="020B0604020202020204" pitchFamily="34" charset="0"/>
+            </a:endParaRPr>
+          </a:p>
+        </p:txBody>
+      </p:sp>
+      <p:sp>
+        <p:nvSpPr>
+          <p:cNvPr id="5" name="TextBox 4">
+            <a:extLst>
+              <a:ext uri="{FF2B5EF4-FFF2-40B4-BE49-F238E27FC236}">
+                <a16:creationId xmlns:a16="http://schemas.microsoft.com/office/drawing/2014/main" id="{C9AB7711-01A2-C71B-16EE-25B8107DB574}"/>
+              </a:ext>
+            </a:extLst>
+          </p:cNvPr>
+          <p:cNvSpPr txBox="1"/>
+          <p:nvPr/>
+        </p:nvSpPr>
+        <p:spPr>
+          <a:xfrm>
+            <a:off x="763929" y="5169868"/>
+            <a:ext cx="3622876" cy="184666"/>
+          </a:xfrm>
+          <a:prstGeom prst="rect">
+            <a:avLst/>
+          </a:prstGeom>
+        </p:spPr>
+        <p:txBody>
+          <a:bodyPr wrap="square" lIns="0" tIns="0" rIns="0" bIns="0" rtlCol="0" anchor="t" anchorCtr="0">
+            <a:spAutoFit/>
+          </a:bodyPr>
+          <a:lstStyle/>
+          <a:p>
+            <a:pPr algn="l"/>
+            <a:r>
+              <a:rPr lang="en-GB" sz="1200" dirty="0" err="1">
+                <a:latin typeface="Arial" panose="020B0604020202020204" pitchFamily="34" charset="0"/>
+                <a:cs typeface="Arial" panose="020B0604020202020204" pitchFamily="34" charset="0"/>
+              </a:rPr>
+              <a:t>stage_imagery</a:t>
+            </a:r>
+            <a:endParaRPr lang="en-GB" sz="1200" b="0" dirty="0">
+              <a:latin typeface="Arial" panose="020B0604020202020204" pitchFamily="34" charset="0"/>
+              <a:cs typeface="Arial" panose="020B0604020202020204" pitchFamily="34" charset="0"/>
+            </a:endParaRPr>
+          </a:p>
+        </p:txBody>
+      </p:sp>
+      <p:sp>
+        <p:nvSpPr>
+          <p:cNvPr id="6" name="TextBox 5">
+            <a:extLst>
+              <a:ext uri="{FF2B5EF4-FFF2-40B4-BE49-F238E27FC236}">
+                <a16:creationId xmlns:a16="http://schemas.microsoft.com/office/drawing/2014/main" id="{1AE28333-8154-2459-B191-EDC32EA74D88}"/>
+              </a:ext>
+            </a:extLst>
+          </p:cNvPr>
+          <p:cNvSpPr txBox="1"/>
+          <p:nvPr/>
+        </p:nvSpPr>
+        <p:spPr>
+          <a:xfrm>
+            <a:off x="4955893" y="1491048"/>
+            <a:ext cx="6472177" cy="184666"/>
+          </a:xfrm>
+          <a:prstGeom prst="rect">
+            <a:avLst/>
+          </a:prstGeom>
+        </p:spPr>
+        <p:txBody>
+          <a:bodyPr wrap="square" lIns="0" tIns="0" rIns="0" bIns="0" rtlCol="0" anchor="t" anchorCtr="0">
+            <a:spAutoFit/>
+          </a:bodyPr>
+          <a:lstStyle/>
+          <a:p>
+            <a:pPr algn="l"/>
+            <a:r>
+              <a:rPr lang="en-GB" sz="1200" dirty="0" err="1">
+                <a:latin typeface="Arial" panose="020B0604020202020204" pitchFamily="34" charset="0"/>
+                <a:cs typeface="Arial" panose="020B0604020202020204" pitchFamily="34" charset="0"/>
+              </a:rPr>
+              <a:t>stage_sas_urls</a:t>
+            </a:r>
+            <a:endParaRPr lang="en-GB" sz="1200" b="0" dirty="0">
+              <a:latin typeface="Arial" panose="020B0604020202020204" pitchFamily="34" charset="0"/>
+              <a:cs typeface="Arial" panose="020B0604020202020204" pitchFamily="34" charset="0"/>
+            </a:endParaRPr>
+          </a:p>
+        </p:txBody>
+      </p:sp>
+    </p:spTree>
+    <p:extLst>
+      <p:ext uri="{BB962C8B-B14F-4D97-AF65-F5344CB8AC3E}">
+        <p14:creationId xmlns:p14="http://schemas.microsoft.com/office/powerpoint/2010/main" val="2438414571"/>
       </p:ext>
     </p:extLst>
   </p:cSld>
@@ -4461,16 +4861,16 @@
 <file path=customXml/itemProps3.xml><?xml version="1.0" encoding="utf-8"?>
 <ds:datastoreItem xmlns:ds="http://schemas.openxmlformats.org/officeDocument/2006/customXml" ds:itemID="{9674E985-4D59-45AB-8970-AD8E2C92CE21}">
   <ds:schemaRefs>
+    <ds:schemaRef ds:uri="http://schemas.microsoft.com/office/2006/documentManagement/types"/>
+    <ds:schemaRef ds:uri="http://purl.org/dc/terms/"/>
+    <ds:schemaRef ds:uri="http://purl.org/dc/elements/1.1/"/>
+    <ds:schemaRef ds:uri="http://purl.org/dc/dcmitype/"/>
+    <ds:schemaRef ds:uri="737cdb0d-9f15-48ec-9529-975a91239bb1"/>
     <ds:schemaRef ds:uri="http://schemas.microsoft.com/office/infopath/2007/PartnerControls"/>
+    <ds:schemaRef ds:uri="9bea065c-4598-471b-a0d8-b208471d6a41"/>
+    <ds:schemaRef ds:uri="http://schemas.openxmlformats.org/package/2006/metadata/core-properties"/>
+    <ds:schemaRef ds:uri="http://schemas.microsoft.com/office/2006/metadata/properties"/>
     <ds:schemaRef ds:uri="http://www.w3.org/XML/1998/namespace"/>
-    <ds:schemaRef ds:uri="http://purl.org/dc/terms/"/>
-    <ds:schemaRef ds:uri="9bea065c-4598-471b-a0d8-b208471d6a41"/>
-    <ds:schemaRef ds:uri="http://purl.org/dc/dcmitype/"/>
-    <ds:schemaRef ds:uri="http://schemas.microsoft.com/office/2006/metadata/properties"/>
-    <ds:schemaRef ds:uri="http://schemas.microsoft.com/office/2006/documentManagement/types"/>
-    <ds:schemaRef ds:uri="http://purl.org/dc/elements/1.1/"/>
-    <ds:schemaRef ds:uri="http://schemas.openxmlformats.org/package/2006/metadata/core-properties"/>
-    <ds:schemaRef ds:uri="737cdb0d-9f15-48ec-9529-975a91239bb1"/>
   </ds:schemaRefs>
 </ds:datastoreItem>
 </file>
--- a/brand_review_template.pptx
+++ b/brand_review_template.pptx
@@ -562,7 +562,7 @@
         <p:cNvPr id="1" name="">
           <a:extLst>
             <a:ext uri="{FF2B5EF4-FFF2-40B4-BE49-F238E27FC236}">
-              <a16:creationId xmlns:a16="http://schemas.microsoft.com/office/drawing/2014/main" id="{49D38F63-9C4F-B747-F160-6D359F528493}"/>
+              <a16:creationId xmlns:a16="http://schemas.microsoft.com/office/drawing/2014/main" id="{48DF0C55-9E76-EFE3-6E35-5D068E70E755}"/>
             </a:ext>
           </a:extLst>
         </p:cNvPr>
@@ -582,7 +582,7 @@
           <p:cNvPr id="2" name="Slide Image Placeholder 1">
             <a:extLst>
               <a:ext uri="{FF2B5EF4-FFF2-40B4-BE49-F238E27FC236}">
-                <a16:creationId xmlns:a16="http://schemas.microsoft.com/office/drawing/2014/main" id="{C3272B10-F6FE-2B0E-750E-05B2B9CFEA9D}"/>
+                <a16:creationId xmlns:a16="http://schemas.microsoft.com/office/drawing/2014/main" id="{2CE0A503-D5B3-9F5C-4B60-42A87C3F4F41}"/>
               </a:ext>
             </a:extLst>
           </p:cNvPr>
@@ -600,7 +600,7 @@
           <p:cNvPr id="3" name="Notes Placeholder 2">
             <a:extLst>
               <a:ext uri="{FF2B5EF4-FFF2-40B4-BE49-F238E27FC236}">
-                <a16:creationId xmlns:a16="http://schemas.microsoft.com/office/drawing/2014/main" id="{480112B0-F005-B16E-0665-F0BF06C1810E}"/>
+                <a16:creationId xmlns:a16="http://schemas.microsoft.com/office/drawing/2014/main" id="{668CE745-C3EC-B3AD-7F34-A9E2AF4EC27E}"/>
               </a:ext>
             </a:extLst>
           </p:cNvPr>
@@ -625,7 +625,7 @@
           <p:cNvPr id="4" name="Slide Number Placeholder 3">
             <a:extLst>
               <a:ext uri="{FF2B5EF4-FFF2-40B4-BE49-F238E27FC236}">
-                <a16:creationId xmlns:a16="http://schemas.microsoft.com/office/drawing/2014/main" id="{8FB7935D-EC1E-6735-1979-73866057387E}"/>
+                <a16:creationId xmlns:a16="http://schemas.microsoft.com/office/drawing/2014/main" id="{288CA410-7C39-9AF5-9A59-734E392B21B1}"/>
               </a:ext>
             </a:extLst>
           </p:cNvPr>
@@ -652,7 +652,7 @@
     </p:spTree>
     <p:extLst>
       <p:ext uri="{BB962C8B-B14F-4D97-AF65-F5344CB8AC3E}">
-        <p14:creationId xmlns:p14="http://schemas.microsoft.com/office/powerpoint/2010/main" val="1734944407"/>
+        <p14:creationId xmlns:p14="http://schemas.microsoft.com/office/powerpoint/2010/main" val="882302132"/>
       </p:ext>
     </p:extLst>
   </p:cSld>
@@ -670,7 +670,7 @@
         <p:cNvPr id="1" name="">
           <a:extLst>
             <a:ext uri="{FF2B5EF4-FFF2-40B4-BE49-F238E27FC236}">
-              <a16:creationId xmlns:a16="http://schemas.microsoft.com/office/drawing/2014/main" id="{E88C697D-E19D-AE74-E729-E1ED128B4575}"/>
+              <a16:creationId xmlns:a16="http://schemas.microsoft.com/office/drawing/2014/main" id="{AD67C1F0-2119-27F1-BC1A-8F871D3C16D9}"/>
             </a:ext>
           </a:extLst>
         </p:cNvPr>
@@ -690,7 +690,7 @@
           <p:cNvPr id="2" name="Slide Image Placeholder 1">
             <a:extLst>
               <a:ext uri="{FF2B5EF4-FFF2-40B4-BE49-F238E27FC236}">
-                <a16:creationId xmlns:a16="http://schemas.microsoft.com/office/drawing/2014/main" id="{6CBDFB71-EB19-8BA2-841E-F4E014119C1E}"/>
+                <a16:creationId xmlns:a16="http://schemas.microsoft.com/office/drawing/2014/main" id="{CEA8C3E1-4CE0-DDCC-EE1C-FB8D50851CFE}"/>
               </a:ext>
             </a:extLst>
           </p:cNvPr>
@@ -708,7 +708,7 @@
           <p:cNvPr id="3" name="Notes Placeholder 2">
             <a:extLst>
               <a:ext uri="{FF2B5EF4-FFF2-40B4-BE49-F238E27FC236}">
-                <a16:creationId xmlns:a16="http://schemas.microsoft.com/office/drawing/2014/main" id="{98F9620C-AF52-78EB-319A-020309A8D6AE}"/>
+                <a16:creationId xmlns:a16="http://schemas.microsoft.com/office/drawing/2014/main" id="{EAA53890-A1F3-3FA5-DDB2-C9017EFCC3CF}"/>
               </a:ext>
             </a:extLst>
           </p:cNvPr>
@@ -733,7 +733,7 @@
           <p:cNvPr id="4" name="Slide Number Placeholder 3">
             <a:extLst>
               <a:ext uri="{FF2B5EF4-FFF2-40B4-BE49-F238E27FC236}">
-                <a16:creationId xmlns:a16="http://schemas.microsoft.com/office/drawing/2014/main" id="{8FD69B7C-84E0-7E1B-A300-293045FBA0A0}"/>
+                <a16:creationId xmlns:a16="http://schemas.microsoft.com/office/drawing/2014/main" id="{E2ABB57D-86EB-4595-7B11-5F21CEFBB37E}"/>
               </a:ext>
             </a:extLst>
           </p:cNvPr>
@@ -760,7 +760,7 @@
     </p:spTree>
     <p:extLst>
       <p:ext uri="{BB962C8B-B14F-4D97-AF65-F5344CB8AC3E}">
-        <p14:creationId xmlns:p14="http://schemas.microsoft.com/office/powerpoint/2010/main" val="2796176469"/>
+        <p14:creationId xmlns:p14="http://schemas.microsoft.com/office/powerpoint/2010/main" val="3897649016"/>
       </p:ext>
     </p:extLst>
   </p:cSld>
@@ -778,7 +778,7 @@
         <p:cNvPr id="1" name="">
           <a:extLst>
             <a:ext uri="{FF2B5EF4-FFF2-40B4-BE49-F238E27FC236}">
-              <a16:creationId xmlns:a16="http://schemas.microsoft.com/office/drawing/2014/main" id="{CE0DDD3F-AFC7-1F4F-805D-07F49F4F97DF}"/>
+              <a16:creationId xmlns:a16="http://schemas.microsoft.com/office/drawing/2014/main" id="{60C74787-36D5-FE07-4292-DA879848AD93}"/>
             </a:ext>
           </a:extLst>
         </p:cNvPr>
@@ -798,7 +798,7 @@
           <p:cNvPr id="2" name="Slide Image Placeholder 1">
             <a:extLst>
               <a:ext uri="{FF2B5EF4-FFF2-40B4-BE49-F238E27FC236}">
-                <a16:creationId xmlns:a16="http://schemas.microsoft.com/office/drawing/2014/main" id="{5FAB59CF-DE01-610E-3781-A1AA588F34D1}"/>
+                <a16:creationId xmlns:a16="http://schemas.microsoft.com/office/drawing/2014/main" id="{3AB425CF-89B2-124C-2112-C199F6DAEC0A}"/>
               </a:ext>
             </a:extLst>
           </p:cNvPr>
@@ -816,7 +816,7 @@
           <p:cNvPr id="3" name="Notes Placeholder 2">
             <a:extLst>
               <a:ext uri="{FF2B5EF4-FFF2-40B4-BE49-F238E27FC236}">
-                <a16:creationId xmlns:a16="http://schemas.microsoft.com/office/drawing/2014/main" id="{81E287E7-1706-0796-5C8D-B41D834230DB}"/>
+                <a16:creationId xmlns:a16="http://schemas.microsoft.com/office/drawing/2014/main" id="{C4B6BC2B-C372-847B-CA74-B5059B1D84A5}"/>
               </a:ext>
             </a:extLst>
           </p:cNvPr>
@@ -841,7 +841,7 @@
           <p:cNvPr id="4" name="Slide Number Placeholder 3">
             <a:extLst>
               <a:ext uri="{FF2B5EF4-FFF2-40B4-BE49-F238E27FC236}">
-                <a16:creationId xmlns:a16="http://schemas.microsoft.com/office/drawing/2014/main" id="{8A405BC9-EFC2-3E1F-7A4F-2624C3FB3D61}"/>
+                <a16:creationId xmlns:a16="http://schemas.microsoft.com/office/drawing/2014/main" id="{82C45631-9CC0-1330-6830-F394165DF423}"/>
               </a:ext>
             </a:extLst>
           </p:cNvPr>
@@ -868,7 +868,7 @@
     </p:spTree>
     <p:extLst>
       <p:ext uri="{BB962C8B-B14F-4D97-AF65-F5344CB8AC3E}">
-        <p14:creationId xmlns:p14="http://schemas.microsoft.com/office/powerpoint/2010/main" val="2444706875"/>
+        <p14:creationId xmlns:p14="http://schemas.microsoft.com/office/powerpoint/2010/main" val="959885105"/>
       </p:ext>
     </p:extLst>
   </p:cSld>
@@ -886,7 +886,7 @@
         <p:cNvPr id="1" name="">
           <a:extLst>
             <a:ext uri="{FF2B5EF4-FFF2-40B4-BE49-F238E27FC236}">
-              <a16:creationId xmlns:a16="http://schemas.microsoft.com/office/drawing/2014/main" id="{000919BE-B13C-25F3-4F14-8DB6D346B199}"/>
+              <a16:creationId xmlns:a16="http://schemas.microsoft.com/office/drawing/2014/main" id="{74D67591-1558-46A2-338E-43DCDFBAA879}"/>
             </a:ext>
           </a:extLst>
         </p:cNvPr>
@@ -906,7 +906,7 @@
           <p:cNvPr id="2" name="Slide Image Placeholder 1">
             <a:extLst>
               <a:ext uri="{FF2B5EF4-FFF2-40B4-BE49-F238E27FC236}">
-                <a16:creationId xmlns:a16="http://schemas.microsoft.com/office/drawing/2014/main" id="{9B58BB89-7C5A-9A86-85FB-2D29FDC52594}"/>
+                <a16:creationId xmlns:a16="http://schemas.microsoft.com/office/drawing/2014/main" id="{7B54BF25-05F2-82BB-3BB1-3DFAF80EC1ED}"/>
               </a:ext>
             </a:extLst>
           </p:cNvPr>
@@ -924,7 +924,7 @@
           <p:cNvPr id="3" name="Notes Placeholder 2">
             <a:extLst>
               <a:ext uri="{FF2B5EF4-FFF2-40B4-BE49-F238E27FC236}">
-                <a16:creationId xmlns:a16="http://schemas.microsoft.com/office/drawing/2014/main" id="{71B4F1D8-2545-3686-C81E-197E96D22EE8}"/>
+                <a16:creationId xmlns:a16="http://schemas.microsoft.com/office/drawing/2014/main" id="{EE892B62-4AD5-CE7E-E5CE-A8922EDF4E5B}"/>
               </a:ext>
             </a:extLst>
           </p:cNvPr>
@@ -949,7 +949,7 @@
           <p:cNvPr id="4" name="Slide Number Placeholder 3">
             <a:extLst>
               <a:ext uri="{FF2B5EF4-FFF2-40B4-BE49-F238E27FC236}">
-                <a16:creationId xmlns:a16="http://schemas.microsoft.com/office/drawing/2014/main" id="{8568DB01-9DBD-86A9-A818-4C5E6D2CBD57}"/>
+                <a16:creationId xmlns:a16="http://schemas.microsoft.com/office/drawing/2014/main" id="{437E1004-6AC8-4B11-FBC4-1D82984B396F}"/>
               </a:ext>
             </a:extLst>
           </p:cNvPr>
@@ -976,7 +976,7 @@
     </p:spTree>
     <p:extLst>
       <p:ext uri="{BB962C8B-B14F-4D97-AF65-F5344CB8AC3E}">
-        <p14:creationId xmlns:p14="http://schemas.microsoft.com/office/powerpoint/2010/main" val="780397425"/>
+        <p14:creationId xmlns:p14="http://schemas.microsoft.com/office/powerpoint/2010/main" val="3590143168"/>
       </p:ext>
     </p:extLst>
   </p:cSld>
@@ -994,7 +994,7 @@
         <p:cNvPr id="1" name="">
           <a:extLst>
             <a:ext uri="{FF2B5EF4-FFF2-40B4-BE49-F238E27FC236}">
-              <a16:creationId xmlns:a16="http://schemas.microsoft.com/office/drawing/2014/main" id="{8B930A6E-0597-1163-E053-6C26363E24E8}"/>
+              <a16:creationId xmlns:a16="http://schemas.microsoft.com/office/drawing/2014/main" id="{A3FF56AC-B156-04DB-A96F-F1A847B23AB6}"/>
             </a:ext>
           </a:extLst>
         </p:cNvPr>
@@ -1014,7 +1014,7 @@
           <p:cNvPr id="2" name="Slide Image Placeholder 1">
             <a:extLst>
               <a:ext uri="{FF2B5EF4-FFF2-40B4-BE49-F238E27FC236}">
-                <a16:creationId xmlns:a16="http://schemas.microsoft.com/office/drawing/2014/main" id="{CFFC1C15-6B98-A642-F0DA-37691134C764}"/>
+                <a16:creationId xmlns:a16="http://schemas.microsoft.com/office/drawing/2014/main" id="{5655F05E-0A2E-5248-3C78-355DECAD4AF6}"/>
               </a:ext>
             </a:extLst>
           </p:cNvPr>
@@ -1032,7 +1032,7 @@
           <p:cNvPr id="3" name="Notes Placeholder 2">
             <a:extLst>
               <a:ext uri="{FF2B5EF4-FFF2-40B4-BE49-F238E27FC236}">
-                <a16:creationId xmlns:a16="http://schemas.microsoft.com/office/drawing/2014/main" id="{FF0E238B-37AD-6BBB-F79D-28B04D01D457}"/>
+                <a16:creationId xmlns:a16="http://schemas.microsoft.com/office/drawing/2014/main" id="{32A1750B-58E9-2389-1D73-94B8324AF8A4}"/>
               </a:ext>
             </a:extLst>
           </p:cNvPr>
@@ -1057,7 +1057,7 @@
           <p:cNvPr id="4" name="Slide Number Placeholder 3">
             <a:extLst>
               <a:ext uri="{FF2B5EF4-FFF2-40B4-BE49-F238E27FC236}">
-                <a16:creationId xmlns:a16="http://schemas.microsoft.com/office/drawing/2014/main" id="{E4B16FE2-8160-5818-1BBA-02DA3053A79A}"/>
+                <a16:creationId xmlns:a16="http://schemas.microsoft.com/office/drawing/2014/main" id="{7CA84F2D-AF3D-9C15-CDF8-2663D47DCC59}"/>
               </a:ext>
             </a:extLst>
           </p:cNvPr>
@@ -1084,7 +1084,7 @@
     </p:spTree>
     <p:extLst>
       <p:ext uri="{BB962C8B-B14F-4D97-AF65-F5344CB8AC3E}">
-        <p14:creationId xmlns:p14="http://schemas.microsoft.com/office/powerpoint/2010/main" val="2121309624"/>
+        <p14:creationId xmlns:p14="http://schemas.microsoft.com/office/powerpoint/2010/main" val="3917769561"/>
       </p:ext>
     </p:extLst>
   </p:cSld>
@@ -2296,7 +2296,7 @@
         <p:spPr>
           <a:xfrm>
             <a:off x="763929" y="1851951"/>
-            <a:ext cx="3622876" cy="184666"/>
+            <a:ext cx="3622876" cy="169277"/>
           </a:xfrm>
           <a:prstGeom prst="rect">
             <a:avLst/>
@@ -2310,7 +2310,7 @@
           <a:p>
             <a:pPr algn="l"/>
             <a:r>
-              <a:rPr kumimoji="0" lang="en-GB" sz="1200" b="0" i="0" u="none" strike="noStrike" kern="1200" cap="none" spc="0" normalizeH="0" baseline="0" noProof="0" dirty="0" err="1">
+              <a:rPr kumimoji="0" lang="en-GB" sz="1100" b="0" i="0" u="none" strike="noStrike" kern="1200" cap="none" spc="0" normalizeH="0" baseline="0" noProof="0" dirty="0" err="1">
                 <a:ln>
                   <a:noFill/>
                 </a:ln>
@@ -2322,7 +2322,7 @@
               </a:rPr>
               <a:t>stage_overview</a:t>
             </a:r>
-            <a:endParaRPr lang="en-GB" sz="1200" b="0" dirty="0">
+            <a:endParaRPr lang="en-GB" sz="1100" b="0" dirty="0">
               <a:latin typeface="Arial" panose="020B0604020202020204" pitchFamily="34" charset="0"/>
               <a:cs typeface="Arial" panose="020B0604020202020204" pitchFamily="34" charset="0"/>
             </a:endParaRPr>
@@ -2344,7 +2344,7 @@
         <p:spPr>
           <a:xfrm>
             <a:off x="763929" y="3974804"/>
-            <a:ext cx="3622876" cy="184666"/>
+            <a:ext cx="3622876" cy="169277"/>
           </a:xfrm>
           <a:prstGeom prst="rect">
             <a:avLst/>
@@ -2358,13 +2358,13 @@
           <a:p>
             <a:pPr algn="l"/>
             <a:r>
-              <a:rPr lang="en-GB" sz="1200" dirty="0" err="1">
+              <a:rPr lang="en-GB" sz="1100" dirty="0" err="1">
                 <a:latin typeface="Arial" panose="020B0604020202020204" pitchFamily="34" charset="0"/>
                 <a:cs typeface="Arial" panose="020B0604020202020204" pitchFamily="34" charset="0"/>
               </a:rPr>
               <a:t>stage_messaging</a:t>
             </a:r>
-            <a:endParaRPr lang="en-GB" sz="1200" b="0" dirty="0">
+            <a:endParaRPr lang="en-GB" sz="1100" b="0" dirty="0">
               <a:latin typeface="Arial" panose="020B0604020202020204" pitchFamily="34" charset="0"/>
               <a:cs typeface="Arial" panose="020B0604020202020204" pitchFamily="34" charset="0"/>
             </a:endParaRPr>
@@ -2386,7 +2386,7 @@
         <p:spPr>
           <a:xfrm>
             <a:off x="763929" y="5169868"/>
-            <a:ext cx="3622876" cy="184666"/>
+            <a:ext cx="3622876" cy="169277"/>
           </a:xfrm>
           <a:prstGeom prst="rect">
             <a:avLst/>
@@ -2400,13 +2400,13 @@
           <a:p>
             <a:pPr algn="l"/>
             <a:r>
-              <a:rPr lang="en-GB" sz="1200" dirty="0" err="1">
+              <a:rPr lang="en-GB" sz="1100" dirty="0" err="1">
                 <a:latin typeface="Arial" panose="020B0604020202020204" pitchFamily="34" charset="0"/>
                 <a:cs typeface="Arial" panose="020B0604020202020204" pitchFamily="34" charset="0"/>
               </a:rPr>
               <a:t>stage_imagery</a:t>
             </a:r>
-            <a:endParaRPr lang="en-GB" sz="1200" b="0" dirty="0">
+            <a:endParaRPr lang="en-GB" sz="1100" b="0" dirty="0">
               <a:latin typeface="Arial" panose="020B0604020202020204" pitchFamily="34" charset="0"/>
               <a:cs typeface="Arial" panose="020B0604020202020204" pitchFamily="34" charset="0"/>
             </a:endParaRPr>
@@ -2428,7 +2428,7 @@
         <p:spPr>
           <a:xfrm>
             <a:off x="4955893" y="1491048"/>
-            <a:ext cx="6472177" cy="184666"/>
+            <a:ext cx="6472177" cy="169277"/>
           </a:xfrm>
           <a:prstGeom prst="rect">
             <a:avLst/>
@@ -2442,13 +2442,13 @@
           <a:p>
             <a:pPr algn="l"/>
             <a:r>
-              <a:rPr lang="en-GB" sz="1200" dirty="0" err="1">
+              <a:rPr lang="en-GB" sz="1100" dirty="0" err="1">
                 <a:latin typeface="Arial" panose="020B0604020202020204" pitchFamily="34" charset="0"/>
                 <a:cs typeface="Arial" panose="020B0604020202020204" pitchFamily="34" charset="0"/>
               </a:rPr>
               <a:t>stage_sas_urls</a:t>
             </a:r>
-            <a:endParaRPr lang="en-GB" sz="1200" b="0" dirty="0">
+            <a:endParaRPr lang="en-GB" sz="1100" b="0" dirty="0">
               <a:latin typeface="Arial" panose="020B0604020202020204" pitchFamily="34" charset="0"/>
               <a:cs typeface="Arial" panose="020B0604020202020204" pitchFamily="34" charset="0"/>
             </a:endParaRPr>
@@ -2488,7 +2488,7 @@
         <p:cNvPr id="1" name="">
           <a:extLst>
             <a:ext uri="{FF2B5EF4-FFF2-40B4-BE49-F238E27FC236}">
-              <a16:creationId xmlns:a16="http://schemas.microsoft.com/office/drawing/2014/main" id="{CAFB0AD8-B8A7-8021-5678-00AA779A6CCD}"/>
+              <a16:creationId xmlns:a16="http://schemas.microsoft.com/office/drawing/2014/main" id="{4B598A33-6D28-3D91-F43C-E12FF883F076}"/>
             </a:ext>
           </a:extLst>
         </p:cNvPr>
@@ -2508,7 +2508,7 @@
           <p:cNvPr id="8" name="Text Placeholder 7">
             <a:extLst>
               <a:ext uri="{FF2B5EF4-FFF2-40B4-BE49-F238E27FC236}">
-                <a16:creationId xmlns:a16="http://schemas.microsoft.com/office/drawing/2014/main" id="{F9FDC0AB-ACEE-529C-9FA3-69BE8282F9D8}"/>
+                <a16:creationId xmlns:a16="http://schemas.microsoft.com/office/drawing/2014/main" id="{E6A9E0C3-3C3C-3BC6-2F35-D4842AA9D22F}"/>
               </a:ext>
             </a:extLst>
           </p:cNvPr>
@@ -2536,7 +2536,7 @@
           <p:cNvPr id="7" name="Title 6">
             <a:extLst>
               <a:ext uri="{FF2B5EF4-FFF2-40B4-BE49-F238E27FC236}">
-                <a16:creationId xmlns:a16="http://schemas.microsoft.com/office/drawing/2014/main" id="{A7F4CFF6-DB79-20D8-73D0-80819BA0A3C7}"/>
+                <a16:creationId xmlns:a16="http://schemas.microsoft.com/office/drawing/2014/main" id="{5C2CA67E-FDB7-85C3-E561-6D3751A360D7}"/>
               </a:ext>
             </a:extLst>
           </p:cNvPr>
@@ -2570,7 +2570,7 @@
           <p:cNvPr id="3" name="TextBox 2">
             <a:extLst>
               <a:ext uri="{FF2B5EF4-FFF2-40B4-BE49-F238E27FC236}">
-                <a16:creationId xmlns:a16="http://schemas.microsoft.com/office/drawing/2014/main" id="{E6E363E7-47B5-3C2E-B6B6-6502E6483225}"/>
+                <a16:creationId xmlns:a16="http://schemas.microsoft.com/office/drawing/2014/main" id="{8935C4A0-C074-C330-AB16-DA6D09B56685}"/>
               </a:ext>
             </a:extLst>
           </p:cNvPr>
@@ -2580,7 +2580,7 @@
         <p:spPr>
           <a:xfrm>
             <a:off x="763929" y="1851951"/>
-            <a:ext cx="3622876" cy="184666"/>
+            <a:ext cx="3622876" cy="169277"/>
           </a:xfrm>
           <a:prstGeom prst="rect">
             <a:avLst/>
@@ -2594,7 +2594,7 @@
           <a:p>
             <a:pPr algn="l"/>
             <a:r>
-              <a:rPr kumimoji="0" lang="en-GB" sz="1200" b="0" i="0" u="none" strike="noStrike" kern="1200" cap="none" spc="0" normalizeH="0" baseline="0" noProof="0" dirty="0" err="1">
+              <a:rPr kumimoji="0" lang="en-GB" sz="1100" b="0" i="0" u="none" strike="noStrike" kern="1200" cap="none" spc="0" normalizeH="0" baseline="0" noProof="0" dirty="0" err="1">
                 <a:ln>
                   <a:noFill/>
                 </a:ln>
@@ -2606,7 +2606,7 @@
               </a:rPr>
               <a:t>stage_overview</a:t>
             </a:r>
-            <a:endParaRPr lang="en-GB" sz="1200" b="0" dirty="0">
+            <a:endParaRPr lang="en-GB" sz="1100" b="0" dirty="0">
               <a:latin typeface="Arial" panose="020B0604020202020204" pitchFamily="34" charset="0"/>
               <a:cs typeface="Arial" panose="020B0604020202020204" pitchFamily="34" charset="0"/>
             </a:endParaRPr>
@@ -2618,7 +2618,7 @@
           <p:cNvPr id="4" name="TextBox 3">
             <a:extLst>
               <a:ext uri="{FF2B5EF4-FFF2-40B4-BE49-F238E27FC236}">
-                <a16:creationId xmlns:a16="http://schemas.microsoft.com/office/drawing/2014/main" id="{EB9940E9-C91F-0D69-4D72-3D7DDBE4879B}"/>
+                <a16:creationId xmlns:a16="http://schemas.microsoft.com/office/drawing/2014/main" id="{5F13FBC9-B8BA-2EC5-7DFF-BF5497D2C808}"/>
               </a:ext>
             </a:extLst>
           </p:cNvPr>
@@ -2628,7 +2628,7 @@
         <p:spPr>
           <a:xfrm>
             <a:off x="763929" y="3974804"/>
-            <a:ext cx="3622876" cy="184666"/>
+            <a:ext cx="3622876" cy="169277"/>
           </a:xfrm>
           <a:prstGeom prst="rect">
             <a:avLst/>
@@ -2642,13 +2642,13 @@
           <a:p>
             <a:pPr algn="l"/>
             <a:r>
-              <a:rPr lang="en-GB" sz="1200" dirty="0" err="1">
+              <a:rPr lang="en-GB" sz="1100" dirty="0" err="1">
                 <a:latin typeface="Arial" panose="020B0604020202020204" pitchFamily="34" charset="0"/>
                 <a:cs typeface="Arial" panose="020B0604020202020204" pitchFamily="34" charset="0"/>
               </a:rPr>
               <a:t>stage_messaging</a:t>
             </a:r>
-            <a:endParaRPr lang="en-GB" sz="1200" b="0" dirty="0">
+            <a:endParaRPr lang="en-GB" sz="1100" b="0" dirty="0">
               <a:latin typeface="Arial" panose="020B0604020202020204" pitchFamily="34" charset="0"/>
               <a:cs typeface="Arial" panose="020B0604020202020204" pitchFamily="34" charset="0"/>
             </a:endParaRPr>
@@ -2660,7 +2660,7 @@
           <p:cNvPr id="5" name="TextBox 4">
             <a:extLst>
               <a:ext uri="{FF2B5EF4-FFF2-40B4-BE49-F238E27FC236}">
-                <a16:creationId xmlns:a16="http://schemas.microsoft.com/office/drawing/2014/main" id="{132E582A-715E-201C-9C42-66CD39778269}"/>
+                <a16:creationId xmlns:a16="http://schemas.microsoft.com/office/drawing/2014/main" id="{E04F6D46-6BDD-4672-8857-865F23FE285C}"/>
               </a:ext>
             </a:extLst>
           </p:cNvPr>
@@ -2670,7 +2670,7 @@
         <p:spPr>
           <a:xfrm>
             <a:off x="763929" y="5169868"/>
-            <a:ext cx="3622876" cy="184666"/>
+            <a:ext cx="3622876" cy="169277"/>
           </a:xfrm>
           <a:prstGeom prst="rect">
             <a:avLst/>
@@ -2684,13 +2684,13 @@
           <a:p>
             <a:pPr algn="l"/>
             <a:r>
-              <a:rPr lang="en-GB" sz="1200" dirty="0" err="1">
+              <a:rPr lang="en-GB" sz="1100" dirty="0" err="1">
                 <a:latin typeface="Arial" panose="020B0604020202020204" pitchFamily="34" charset="0"/>
                 <a:cs typeface="Arial" panose="020B0604020202020204" pitchFamily="34" charset="0"/>
               </a:rPr>
               <a:t>stage_imagery</a:t>
             </a:r>
-            <a:endParaRPr lang="en-GB" sz="1200" b="0" dirty="0">
+            <a:endParaRPr lang="en-GB" sz="1100" b="0" dirty="0">
               <a:latin typeface="Arial" panose="020B0604020202020204" pitchFamily="34" charset="0"/>
               <a:cs typeface="Arial" panose="020B0604020202020204" pitchFamily="34" charset="0"/>
             </a:endParaRPr>
@@ -2702,7 +2702,7 @@
           <p:cNvPr id="6" name="TextBox 5">
             <a:extLst>
               <a:ext uri="{FF2B5EF4-FFF2-40B4-BE49-F238E27FC236}">
-                <a16:creationId xmlns:a16="http://schemas.microsoft.com/office/drawing/2014/main" id="{83C2FE15-A9E3-B96F-8362-6B1662FFC067}"/>
+                <a16:creationId xmlns:a16="http://schemas.microsoft.com/office/drawing/2014/main" id="{87111CE2-B16A-1461-8237-489D689861D0}"/>
               </a:ext>
             </a:extLst>
           </p:cNvPr>
@@ -2712,7 +2712,7 @@
         <p:spPr>
           <a:xfrm>
             <a:off x="4955893" y="1491048"/>
-            <a:ext cx="6472177" cy="184666"/>
+            <a:ext cx="6472177" cy="169277"/>
           </a:xfrm>
           <a:prstGeom prst="rect">
             <a:avLst/>
@@ -2726,13 +2726,13 @@
           <a:p>
             <a:pPr algn="l"/>
             <a:r>
-              <a:rPr lang="en-GB" sz="1200" dirty="0" err="1">
+              <a:rPr lang="en-GB" sz="1100" dirty="0" err="1">
                 <a:latin typeface="Arial" panose="020B0604020202020204" pitchFamily="34" charset="0"/>
                 <a:cs typeface="Arial" panose="020B0604020202020204" pitchFamily="34" charset="0"/>
               </a:rPr>
               <a:t>stage_sas_urls</a:t>
             </a:r>
-            <a:endParaRPr lang="en-GB" sz="1200" b="0" dirty="0">
+            <a:endParaRPr lang="en-GB" sz="1100" b="0" dirty="0">
               <a:latin typeface="Arial" panose="020B0604020202020204" pitchFamily="34" charset="0"/>
               <a:cs typeface="Arial" panose="020B0604020202020204" pitchFamily="34" charset="0"/>
             </a:endParaRPr>
@@ -2742,7 +2742,7 @@
     </p:spTree>
     <p:extLst>
       <p:ext uri="{BB962C8B-B14F-4D97-AF65-F5344CB8AC3E}">
-        <p14:creationId xmlns:p14="http://schemas.microsoft.com/office/powerpoint/2010/main" val="3265762039"/>
+        <p14:creationId xmlns:p14="http://schemas.microsoft.com/office/powerpoint/2010/main" val="317447270"/>
       </p:ext>
     </p:extLst>
   </p:cSld>
@@ -2772,7 +2772,7 @@
         <p:cNvPr id="1" name="">
           <a:extLst>
             <a:ext uri="{FF2B5EF4-FFF2-40B4-BE49-F238E27FC236}">
-              <a16:creationId xmlns:a16="http://schemas.microsoft.com/office/drawing/2014/main" id="{F497DF7F-3AB9-C00B-5B76-14B588B38605}"/>
+              <a16:creationId xmlns:a16="http://schemas.microsoft.com/office/drawing/2014/main" id="{F57F3355-7E34-8F28-BBA9-6BB13C3E1186}"/>
             </a:ext>
           </a:extLst>
         </p:cNvPr>
@@ -2792,7 +2792,7 @@
           <p:cNvPr id="8" name="Text Placeholder 7">
             <a:extLst>
               <a:ext uri="{FF2B5EF4-FFF2-40B4-BE49-F238E27FC236}">
-                <a16:creationId xmlns:a16="http://schemas.microsoft.com/office/drawing/2014/main" id="{CCBF1EA9-3A58-A038-14E4-8AC80820F725}"/>
+                <a16:creationId xmlns:a16="http://schemas.microsoft.com/office/drawing/2014/main" id="{3F7FCEB5-1513-70EE-BBB2-F22F6280EB35}"/>
               </a:ext>
             </a:extLst>
           </p:cNvPr>
@@ -2820,7 +2820,7 @@
           <p:cNvPr id="7" name="Title 6">
             <a:extLst>
               <a:ext uri="{FF2B5EF4-FFF2-40B4-BE49-F238E27FC236}">
-                <a16:creationId xmlns:a16="http://schemas.microsoft.com/office/drawing/2014/main" id="{946640BF-8225-9BFA-F1FC-07AAEF38D3C0}"/>
+                <a16:creationId xmlns:a16="http://schemas.microsoft.com/office/drawing/2014/main" id="{9A6E7A15-2686-863A-CDFD-CF5F329D0011}"/>
               </a:ext>
             </a:extLst>
           </p:cNvPr>
@@ -2854,7 +2854,7 @@
           <p:cNvPr id="3" name="TextBox 2">
             <a:extLst>
               <a:ext uri="{FF2B5EF4-FFF2-40B4-BE49-F238E27FC236}">
-                <a16:creationId xmlns:a16="http://schemas.microsoft.com/office/drawing/2014/main" id="{1DFC542B-3958-D519-1F89-3A7D81CDE4E7}"/>
+                <a16:creationId xmlns:a16="http://schemas.microsoft.com/office/drawing/2014/main" id="{7AD81248-B289-2896-4C8C-DC40296A607C}"/>
               </a:ext>
             </a:extLst>
           </p:cNvPr>
@@ -2864,7 +2864,7 @@
         <p:spPr>
           <a:xfrm>
             <a:off x="763929" y="1851951"/>
-            <a:ext cx="3622876" cy="184666"/>
+            <a:ext cx="3622876" cy="169277"/>
           </a:xfrm>
           <a:prstGeom prst="rect">
             <a:avLst/>
@@ -2878,7 +2878,7 @@
           <a:p>
             <a:pPr algn="l"/>
             <a:r>
-              <a:rPr kumimoji="0" lang="en-GB" sz="1200" b="0" i="0" u="none" strike="noStrike" kern="1200" cap="none" spc="0" normalizeH="0" baseline="0" noProof="0" dirty="0" err="1">
+              <a:rPr kumimoji="0" lang="en-GB" sz="1100" b="0" i="0" u="none" strike="noStrike" kern="1200" cap="none" spc="0" normalizeH="0" baseline="0" noProof="0" dirty="0" err="1">
                 <a:ln>
                   <a:noFill/>
                 </a:ln>
@@ -2890,7 +2890,7 @@
               </a:rPr>
               <a:t>stage_overview</a:t>
             </a:r>
-            <a:endParaRPr lang="en-GB" sz="1200" b="0" dirty="0">
+            <a:endParaRPr lang="en-GB" sz="1100" b="0" dirty="0">
               <a:latin typeface="Arial" panose="020B0604020202020204" pitchFamily="34" charset="0"/>
               <a:cs typeface="Arial" panose="020B0604020202020204" pitchFamily="34" charset="0"/>
             </a:endParaRPr>
@@ -2902,7 +2902,7 @@
           <p:cNvPr id="4" name="TextBox 3">
             <a:extLst>
               <a:ext uri="{FF2B5EF4-FFF2-40B4-BE49-F238E27FC236}">
-                <a16:creationId xmlns:a16="http://schemas.microsoft.com/office/drawing/2014/main" id="{664D1E05-0F3F-7134-D6A4-E84C094E2F63}"/>
+                <a16:creationId xmlns:a16="http://schemas.microsoft.com/office/drawing/2014/main" id="{D70EA986-2275-65CC-85DE-15E804755BEF}"/>
               </a:ext>
             </a:extLst>
           </p:cNvPr>
@@ -2912,7 +2912,7 @@
         <p:spPr>
           <a:xfrm>
             <a:off x="763929" y="3974804"/>
-            <a:ext cx="3622876" cy="184666"/>
+            <a:ext cx="3622876" cy="169277"/>
           </a:xfrm>
           <a:prstGeom prst="rect">
             <a:avLst/>
@@ -2926,13 +2926,13 @@
           <a:p>
             <a:pPr algn="l"/>
             <a:r>
-              <a:rPr lang="en-GB" sz="1200" dirty="0" err="1">
+              <a:rPr lang="en-GB" sz="1100" dirty="0" err="1">
                 <a:latin typeface="Arial" panose="020B0604020202020204" pitchFamily="34" charset="0"/>
                 <a:cs typeface="Arial" panose="020B0604020202020204" pitchFamily="34" charset="0"/>
               </a:rPr>
               <a:t>stage_messaging</a:t>
             </a:r>
-            <a:endParaRPr lang="en-GB" sz="1200" b="0" dirty="0">
+            <a:endParaRPr lang="en-GB" sz="1100" b="0" dirty="0">
               <a:latin typeface="Arial" panose="020B0604020202020204" pitchFamily="34" charset="0"/>
               <a:cs typeface="Arial" panose="020B0604020202020204" pitchFamily="34" charset="0"/>
             </a:endParaRPr>
@@ -2944,7 +2944,7 @@
           <p:cNvPr id="5" name="TextBox 4">
             <a:extLst>
               <a:ext uri="{FF2B5EF4-FFF2-40B4-BE49-F238E27FC236}">
-                <a16:creationId xmlns:a16="http://schemas.microsoft.com/office/drawing/2014/main" id="{947C0F21-5075-104A-FC61-E2D52A5CDE29}"/>
+                <a16:creationId xmlns:a16="http://schemas.microsoft.com/office/drawing/2014/main" id="{1877F3D9-DFFF-5E3B-218A-B85BA22E0068}"/>
               </a:ext>
             </a:extLst>
           </p:cNvPr>
@@ -2954,7 +2954,7 @@
         <p:spPr>
           <a:xfrm>
             <a:off x="763929" y="5169868"/>
-            <a:ext cx="3622876" cy="184666"/>
+            <a:ext cx="3622876" cy="169277"/>
           </a:xfrm>
           <a:prstGeom prst="rect">
             <a:avLst/>
@@ -2968,13 +2968,13 @@
           <a:p>
             <a:pPr algn="l"/>
             <a:r>
-              <a:rPr lang="en-GB" sz="1200" dirty="0" err="1">
+              <a:rPr lang="en-GB" sz="1100" dirty="0" err="1">
                 <a:latin typeface="Arial" panose="020B0604020202020204" pitchFamily="34" charset="0"/>
                 <a:cs typeface="Arial" panose="020B0604020202020204" pitchFamily="34" charset="0"/>
               </a:rPr>
               <a:t>stage_imagery</a:t>
             </a:r>
-            <a:endParaRPr lang="en-GB" sz="1200" b="0" dirty="0">
+            <a:endParaRPr lang="en-GB" sz="1100" b="0" dirty="0">
               <a:latin typeface="Arial" panose="020B0604020202020204" pitchFamily="34" charset="0"/>
               <a:cs typeface="Arial" panose="020B0604020202020204" pitchFamily="34" charset="0"/>
             </a:endParaRPr>
@@ -2986,7 +2986,7 @@
           <p:cNvPr id="6" name="TextBox 5">
             <a:extLst>
               <a:ext uri="{FF2B5EF4-FFF2-40B4-BE49-F238E27FC236}">
-                <a16:creationId xmlns:a16="http://schemas.microsoft.com/office/drawing/2014/main" id="{E84AC539-F71E-8B90-A99F-DC5754567A30}"/>
+                <a16:creationId xmlns:a16="http://schemas.microsoft.com/office/drawing/2014/main" id="{1113B546-A653-0027-456C-6F0031C0B8E2}"/>
               </a:ext>
             </a:extLst>
           </p:cNvPr>
@@ -2996,7 +2996,7 @@
         <p:spPr>
           <a:xfrm>
             <a:off x="4955893" y="1491048"/>
-            <a:ext cx="6472177" cy="184666"/>
+            <a:ext cx="6472177" cy="169277"/>
           </a:xfrm>
           <a:prstGeom prst="rect">
             <a:avLst/>
@@ -3010,13 +3010,13 @@
           <a:p>
             <a:pPr algn="l"/>
             <a:r>
-              <a:rPr lang="en-GB" sz="1200" dirty="0" err="1">
+              <a:rPr lang="en-GB" sz="1100" dirty="0" err="1">
                 <a:latin typeface="Arial" panose="020B0604020202020204" pitchFamily="34" charset="0"/>
                 <a:cs typeface="Arial" panose="020B0604020202020204" pitchFamily="34" charset="0"/>
               </a:rPr>
               <a:t>stage_sas_urls</a:t>
             </a:r>
-            <a:endParaRPr lang="en-GB" sz="1200" b="0" dirty="0">
+            <a:endParaRPr lang="en-GB" sz="1100" b="0" dirty="0">
               <a:latin typeface="Arial" panose="020B0604020202020204" pitchFamily="34" charset="0"/>
               <a:cs typeface="Arial" panose="020B0604020202020204" pitchFamily="34" charset="0"/>
             </a:endParaRPr>
@@ -3026,7 +3026,7 @@
     </p:spTree>
     <p:extLst>
       <p:ext uri="{BB962C8B-B14F-4D97-AF65-F5344CB8AC3E}">
-        <p14:creationId xmlns:p14="http://schemas.microsoft.com/office/powerpoint/2010/main" val="2855478829"/>
+        <p14:creationId xmlns:p14="http://schemas.microsoft.com/office/powerpoint/2010/main" val="1711594109"/>
       </p:ext>
     </p:extLst>
   </p:cSld>
@@ -3056,7 +3056,7 @@
         <p:cNvPr id="1" name="">
           <a:extLst>
             <a:ext uri="{FF2B5EF4-FFF2-40B4-BE49-F238E27FC236}">
-              <a16:creationId xmlns:a16="http://schemas.microsoft.com/office/drawing/2014/main" id="{E6BF4B5A-50A0-4502-86EB-3D8320FCE6C7}"/>
+              <a16:creationId xmlns:a16="http://schemas.microsoft.com/office/drawing/2014/main" id="{AFA45F19-FD64-13B2-4A6B-4978A401D1B2}"/>
             </a:ext>
           </a:extLst>
         </p:cNvPr>
@@ -3076,7 +3076,7 @@
           <p:cNvPr id="8" name="Text Placeholder 7">
             <a:extLst>
               <a:ext uri="{FF2B5EF4-FFF2-40B4-BE49-F238E27FC236}">
-                <a16:creationId xmlns:a16="http://schemas.microsoft.com/office/drawing/2014/main" id="{8F9F2E69-1441-B9D9-4429-B9FCDC11EDEB}"/>
+                <a16:creationId xmlns:a16="http://schemas.microsoft.com/office/drawing/2014/main" id="{F538AD54-97A7-1C65-4333-F61183E04FFE}"/>
               </a:ext>
             </a:extLst>
           </p:cNvPr>
@@ -3104,7 +3104,7 @@
           <p:cNvPr id="7" name="Title 6">
             <a:extLst>
               <a:ext uri="{FF2B5EF4-FFF2-40B4-BE49-F238E27FC236}">
-                <a16:creationId xmlns:a16="http://schemas.microsoft.com/office/drawing/2014/main" id="{7B036A75-C886-B42C-04B5-3152819F206F}"/>
+                <a16:creationId xmlns:a16="http://schemas.microsoft.com/office/drawing/2014/main" id="{4D2C36F1-FB0C-F8B8-6F35-9674220DCCA2}"/>
               </a:ext>
             </a:extLst>
           </p:cNvPr>
@@ -3138,7 +3138,7 @@
           <p:cNvPr id="3" name="TextBox 2">
             <a:extLst>
               <a:ext uri="{FF2B5EF4-FFF2-40B4-BE49-F238E27FC236}">
-                <a16:creationId xmlns:a16="http://schemas.microsoft.com/office/drawing/2014/main" id="{D38D3EC5-9749-D822-33C1-F13B8EE0C127}"/>
+                <a16:creationId xmlns:a16="http://schemas.microsoft.com/office/drawing/2014/main" id="{235F06F6-1C3D-8A24-6FC2-03B53A0D2BCF}"/>
               </a:ext>
             </a:extLst>
           </p:cNvPr>
@@ -3148,7 +3148,7 @@
         <p:spPr>
           <a:xfrm>
             <a:off x="763929" y="1851951"/>
-            <a:ext cx="3622876" cy="184666"/>
+            <a:ext cx="3622876" cy="169277"/>
           </a:xfrm>
           <a:prstGeom prst="rect">
             <a:avLst/>
@@ -3162,7 +3162,7 @@
           <a:p>
             <a:pPr algn="l"/>
             <a:r>
-              <a:rPr kumimoji="0" lang="en-GB" sz="1200" b="0" i="0" u="none" strike="noStrike" kern="1200" cap="none" spc="0" normalizeH="0" baseline="0" noProof="0" dirty="0" err="1">
+              <a:rPr kumimoji="0" lang="en-GB" sz="1100" b="0" i="0" u="none" strike="noStrike" kern="1200" cap="none" spc="0" normalizeH="0" baseline="0" noProof="0" dirty="0" err="1">
                 <a:ln>
                   <a:noFill/>
                 </a:ln>
@@ -3174,7 +3174,7 @@
               </a:rPr>
               <a:t>stage_overview</a:t>
             </a:r>
-            <a:endParaRPr lang="en-GB" sz="1200" b="0" dirty="0">
+            <a:endParaRPr lang="en-GB" sz="1100" b="0" dirty="0">
               <a:latin typeface="Arial" panose="020B0604020202020204" pitchFamily="34" charset="0"/>
               <a:cs typeface="Arial" panose="020B0604020202020204" pitchFamily="34" charset="0"/>
             </a:endParaRPr>
@@ -3186,7 +3186,7 @@
           <p:cNvPr id="4" name="TextBox 3">
             <a:extLst>
               <a:ext uri="{FF2B5EF4-FFF2-40B4-BE49-F238E27FC236}">
-                <a16:creationId xmlns:a16="http://schemas.microsoft.com/office/drawing/2014/main" id="{9797F382-6BDC-BF43-C554-17C2FD5A8552}"/>
+                <a16:creationId xmlns:a16="http://schemas.microsoft.com/office/drawing/2014/main" id="{6F8A3C7C-F392-EF48-80D5-6D54FFCA4ECA}"/>
               </a:ext>
             </a:extLst>
           </p:cNvPr>
@@ -3196,7 +3196,7 @@
         <p:spPr>
           <a:xfrm>
             <a:off x="763929" y="3974804"/>
-            <a:ext cx="3622876" cy="184666"/>
+            <a:ext cx="3622876" cy="169277"/>
           </a:xfrm>
           <a:prstGeom prst="rect">
             <a:avLst/>
@@ -3210,13 +3210,13 @@
           <a:p>
             <a:pPr algn="l"/>
             <a:r>
-              <a:rPr lang="en-GB" sz="1200" dirty="0" err="1">
+              <a:rPr lang="en-GB" sz="1100" dirty="0" err="1">
                 <a:latin typeface="Arial" panose="020B0604020202020204" pitchFamily="34" charset="0"/>
                 <a:cs typeface="Arial" panose="020B0604020202020204" pitchFamily="34" charset="0"/>
               </a:rPr>
               <a:t>stage_messaging</a:t>
             </a:r>
-            <a:endParaRPr lang="en-GB" sz="1200" b="0" dirty="0">
+            <a:endParaRPr lang="en-GB" sz="1100" b="0" dirty="0">
               <a:latin typeface="Arial" panose="020B0604020202020204" pitchFamily="34" charset="0"/>
               <a:cs typeface="Arial" panose="020B0604020202020204" pitchFamily="34" charset="0"/>
             </a:endParaRPr>
@@ -3228,7 +3228,7 @@
           <p:cNvPr id="5" name="TextBox 4">
             <a:extLst>
               <a:ext uri="{FF2B5EF4-FFF2-40B4-BE49-F238E27FC236}">
-                <a16:creationId xmlns:a16="http://schemas.microsoft.com/office/drawing/2014/main" id="{B9CEFB2C-E1B6-92CD-05A1-4E98CD621313}"/>
+                <a16:creationId xmlns:a16="http://schemas.microsoft.com/office/drawing/2014/main" id="{BCAE0CC4-DA49-5C8D-1E21-8131BE5085C3}"/>
               </a:ext>
             </a:extLst>
           </p:cNvPr>
@@ -3238,7 +3238,7 @@
         <p:spPr>
           <a:xfrm>
             <a:off x="763929" y="5169868"/>
-            <a:ext cx="3622876" cy="184666"/>
+            <a:ext cx="3622876" cy="169277"/>
           </a:xfrm>
           <a:prstGeom prst="rect">
             <a:avLst/>
@@ -3252,13 +3252,13 @@
           <a:p>
             <a:pPr algn="l"/>
             <a:r>
-              <a:rPr lang="en-GB" sz="1200" dirty="0" err="1">
+              <a:rPr lang="en-GB" sz="1100" dirty="0" err="1">
                 <a:latin typeface="Arial" panose="020B0604020202020204" pitchFamily="34" charset="0"/>
                 <a:cs typeface="Arial" panose="020B0604020202020204" pitchFamily="34" charset="0"/>
               </a:rPr>
               <a:t>stage_imagery</a:t>
             </a:r>
-            <a:endParaRPr lang="en-GB" sz="1200" b="0" dirty="0">
+            <a:endParaRPr lang="en-GB" sz="1100" b="0" dirty="0">
               <a:latin typeface="Arial" panose="020B0604020202020204" pitchFamily="34" charset="0"/>
               <a:cs typeface="Arial" panose="020B0604020202020204" pitchFamily="34" charset="0"/>
             </a:endParaRPr>
@@ -3270,7 +3270,7 @@
           <p:cNvPr id="6" name="TextBox 5">
             <a:extLst>
               <a:ext uri="{FF2B5EF4-FFF2-40B4-BE49-F238E27FC236}">
-                <a16:creationId xmlns:a16="http://schemas.microsoft.com/office/drawing/2014/main" id="{C1E1299F-6C08-EACE-7C5E-7D5974C09F10}"/>
+                <a16:creationId xmlns:a16="http://schemas.microsoft.com/office/drawing/2014/main" id="{53A1227D-B63F-B3D6-E02E-4AAFADD64854}"/>
               </a:ext>
             </a:extLst>
           </p:cNvPr>
@@ -3280,7 +3280,7 @@
         <p:spPr>
           <a:xfrm>
             <a:off x="4955893" y="1491048"/>
-            <a:ext cx="6472177" cy="184666"/>
+            <a:ext cx="6472177" cy="169277"/>
           </a:xfrm>
           <a:prstGeom prst="rect">
             <a:avLst/>
@@ -3294,13 +3294,13 @@
           <a:p>
             <a:pPr algn="l"/>
             <a:r>
-              <a:rPr lang="en-GB" sz="1200" dirty="0" err="1">
+              <a:rPr lang="en-GB" sz="1100" dirty="0" err="1">
                 <a:latin typeface="Arial" panose="020B0604020202020204" pitchFamily="34" charset="0"/>
                 <a:cs typeface="Arial" panose="020B0604020202020204" pitchFamily="34" charset="0"/>
               </a:rPr>
               <a:t>stage_sas_urls</a:t>
             </a:r>
-            <a:endParaRPr lang="en-GB" sz="1200" b="0" dirty="0">
+            <a:endParaRPr lang="en-GB" sz="1100" b="0" dirty="0">
               <a:latin typeface="Arial" panose="020B0604020202020204" pitchFamily="34" charset="0"/>
               <a:cs typeface="Arial" panose="020B0604020202020204" pitchFamily="34" charset="0"/>
             </a:endParaRPr>
@@ -3310,7 +3310,7 @@
     </p:spTree>
     <p:extLst>
       <p:ext uri="{BB962C8B-B14F-4D97-AF65-F5344CB8AC3E}">
-        <p14:creationId xmlns:p14="http://schemas.microsoft.com/office/powerpoint/2010/main" val="3101304990"/>
+        <p14:creationId xmlns:p14="http://schemas.microsoft.com/office/powerpoint/2010/main" val="3111924551"/>
       </p:ext>
     </p:extLst>
   </p:cSld>
@@ -3340,7 +3340,7 @@
         <p:cNvPr id="1" name="">
           <a:extLst>
             <a:ext uri="{FF2B5EF4-FFF2-40B4-BE49-F238E27FC236}">
-              <a16:creationId xmlns:a16="http://schemas.microsoft.com/office/drawing/2014/main" id="{E0151D8E-0C56-CC8C-1E42-BEBF6F24B719}"/>
+              <a16:creationId xmlns:a16="http://schemas.microsoft.com/office/drawing/2014/main" id="{3A27554C-CA0A-875C-EABA-872F9BC28BAE}"/>
             </a:ext>
           </a:extLst>
         </p:cNvPr>
@@ -3360,7 +3360,7 @@
           <p:cNvPr id="8" name="Text Placeholder 7">
             <a:extLst>
               <a:ext uri="{FF2B5EF4-FFF2-40B4-BE49-F238E27FC236}">
-                <a16:creationId xmlns:a16="http://schemas.microsoft.com/office/drawing/2014/main" id="{F83C997A-9220-B629-77DF-903F942C2F28}"/>
+                <a16:creationId xmlns:a16="http://schemas.microsoft.com/office/drawing/2014/main" id="{F6320F67-DDCE-1991-1C7F-1BB6CCF22A0F}"/>
               </a:ext>
             </a:extLst>
           </p:cNvPr>
@@ -3388,7 +3388,7 @@
           <p:cNvPr id="7" name="Title 6">
             <a:extLst>
               <a:ext uri="{FF2B5EF4-FFF2-40B4-BE49-F238E27FC236}">
-                <a16:creationId xmlns:a16="http://schemas.microsoft.com/office/drawing/2014/main" id="{99A0BE72-39AE-3C33-0977-41CB9EEB4E56}"/>
+                <a16:creationId xmlns:a16="http://schemas.microsoft.com/office/drawing/2014/main" id="{D8888E29-9433-4B6E-2A3B-C60996F8AC76}"/>
               </a:ext>
             </a:extLst>
           </p:cNvPr>
@@ -3422,7 +3422,7 @@
           <p:cNvPr id="3" name="TextBox 2">
             <a:extLst>
               <a:ext uri="{FF2B5EF4-FFF2-40B4-BE49-F238E27FC236}">
-                <a16:creationId xmlns:a16="http://schemas.microsoft.com/office/drawing/2014/main" id="{05D0E506-E420-0EDE-EB90-D0C6BCF6488C}"/>
+                <a16:creationId xmlns:a16="http://schemas.microsoft.com/office/drawing/2014/main" id="{5B01AAB1-5102-097D-CD22-FB9A8EB957E5}"/>
               </a:ext>
             </a:extLst>
           </p:cNvPr>
@@ -3432,7 +3432,7 @@
         <p:spPr>
           <a:xfrm>
             <a:off x="763929" y="1851951"/>
-            <a:ext cx="3622876" cy="184666"/>
+            <a:ext cx="3622876" cy="169277"/>
           </a:xfrm>
           <a:prstGeom prst="rect">
             <a:avLst/>
@@ -3446,7 +3446,7 @@
           <a:p>
             <a:pPr algn="l"/>
             <a:r>
-              <a:rPr kumimoji="0" lang="en-GB" sz="1200" b="0" i="0" u="none" strike="noStrike" kern="1200" cap="none" spc="0" normalizeH="0" baseline="0" noProof="0" dirty="0" err="1">
+              <a:rPr kumimoji="0" lang="en-GB" sz="1100" b="0" i="0" u="none" strike="noStrike" kern="1200" cap="none" spc="0" normalizeH="0" baseline="0" noProof="0" dirty="0" err="1">
                 <a:ln>
                   <a:noFill/>
                 </a:ln>
@@ -3458,7 +3458,7 @@
               </a:rPr>
               <a:t>stage_overview</a:t>
             </a:r>
-            <a:endParaRPr lang="en-GB" sz="1200" b="0" dirty="0">
+            <a:endParaRPr lang="en-GB" sz="1100" b="0" dirty="0">
               <a:latin typeface="Arial" panose="020B0604020202020204" pitchFamily="34" charset="0"/>
               <a:cs typeface="Arial" panose="020B0604020202020204" pitchFamily="34" charset="0"/>
             </a:endParaRPr>
@@ -3470,7 +3470,7 @@
           <p:cNvPr id="4" name="TextBox 3">
             <a:extLst>
               <a:ext uri="{FF2B5EF4-FFF2-40B4-BE49-F238E27FC236}">
-                <a16:creationId xmlns:a16="http://schemas.microsoft.com/office/drawing/2014/main" id="{1F2D3D86-BBD2-8D44-40E3-51B696F6A729}"/>
+                <a16:creationId xmlns:a16="http://schemas.microsoft.com/office/drawing/2014/main" id="{E376AE00-9EBA-FE44-0569-079757A86F42}"/>
               </a:ext>
             </a:extLst>
           </p:cNvPr>
@@ -3480,7 +3480,7 @@
         <p:spPr>
           <a:xfrm>
             <a:off x="763929" y="3974804"/>
-            <a:ext cx="3622876" cy="184666"/>
+            <a:ext cx="3622876" cy="169277"/>
           </a:xfrm>
           <a:prstGeom prst="rect">
             <a:avLst/>
@@ -3494,13 +3494,13 @@
           <a:p>
             <a:pPr algn="l"/>
             <a:r>
-              <a:rPr lang="en-GB" sz="1200" dirty="0" err="1">
+              <a:rPr lang="en-GB" sz="1100" dirty="0" err="1">
                 <a:latin typeface="Arial" panose="020B0604020202020204" pitchFamily="34" charset="0"/>
                 <a:cs typeface="Arial" panose="020B0604020202020204" pitchFamily="34" charset="0"/>
               </a:rPr>
               <a:t>stage_messaging</a:t>
             </a:r>
-            <a:endParaRPr lang="en-GB" sz="1200" b="0" dirty="0">
+            <a:endParaRPr lang="en-GB" sz="1100" b="0" dirty="0">
               <a:latin typeface="Arial" panose="020B0604020202020204" pitchFamily="34" charset="0"/>
               <a:cs typeface="Arial" panose="020B0604020202020204" pitchFamily="34" charset="0"/>
             </a:endParaRPr>
@@ -3512,7 +3512,7 @@
           <p:cNvPr id="5" name="TextBox 4">
             <a:extLst>
               <a:ext uri="{FF2B5EF4-FFF2-40B4-BE49-F238E27FC236}">
-                <a16:creationId xmlns:a16="http://schemas.microsoft.com/office/drawing/2014/main" id="{D1CFD0AF-F045-7C21-B3DE-E5650093A1C0}"/>
+                <a16:creationId xmlns:a16="http://schemas.microsoft.com/office/drawing/2014/main" id="{6EDB68DB-2EE6-5BEA-2A72-32D18D86411E}"/>
               </a:ext>
             </a:extLst>
           </p:cNvPr>
@@ -3522,7 +3522,7 @@
         <p:spPr>
           <a:xfrm>
             <a:off x="763929" y="5169868"/>
-            <a:ext cx="3622876" cy="184666"/>
+            <a:ext cx="3622876" cy="169277"/>
           </a:xfrm>
           <a:prstGeom prst="rect">
             <a:avLst/>
@@ -3536,13 +3536,13 @@
           <a:p>
             <a:pPr algn="l"/>
             <a:r>
-              <a:rPr lang="en-GB" sz="1200" dirty="0" err="1">
+              <a:rPr lang="en-GB" sz="1100" dirty="0" err="1">
                 <a:latin typeface="Arial" panose="020B0604020202020204" pitchFamily="34" charset="0"/>
                 <a:cs typeface="Arial" panose="020B0604020202020204" pitchFamily="34" charset="0"/>
               </a:rPr>
               <a:t>stage_imagery</a:t>
             </a:r>
-            <a:endParaRPr lang="en-GB" sz="1200" b="0" dirty="0">
+            <a:endParaRPr lang="en-GB" sz="1100" b="0" dirty="0">
               <a:latin typeface="Arial" panose="020B0604020202020204" pitchFamily="34" charset="0"/>
               <a:cs typeface="Arial" panose="020B0604020202020204" pitchFamily="34" charset="0"/>
             </a:endParaRPr>
@@ -3554,7 +3554,7 @@
           <p:cNvPr id="6" name="TextBox 5">
             <a:extLst>
               <a:ext uri="{FF2B5EF4-FFF2-40B4-BE49-F238E27FC236}">
-                <a16:creationId xmlns:a16="http://schemas.microsoft.com/office/drawing/2014/main" id="{6E056097-FF89-3A38-E8EC-3ED13B8F30E3}"/>
+                <a16:creationId xmlns:a16="http://schemas.microsoft.com/office/drawing/2014/main" id="{034326F0-F570-BAA6-00B5-423B7790A9D8}"/>
               </a:ext>
             </a:extLst>
           </p:cNvPr>
@@ -3564,7 +3564,7 @@
         <p:spPr>
           <a:xfrm>
             <a:off x="4955893" y="1491048"/>
-            <a:ext cx="6472177" cy="184666"/>
+            <a:ext cx="6472177" cy="169277"/>
           </a:xfrm>
           <a:prstGeom prst="rect">
             <a:avLst/>
@@ -3578,13 +3578,13 @@
           <a:p>
             <a:pPr algn="l"/>
             <a:r>
-              <a:rPr lang="en-GB" sz="1200" dirty="0" err="1">
+              <a:rPr lang="en-GB" sz="1100" dirty="0" err="1">
                 <a:latin typeface="Arial" panose="020B0604020202020204" pitchFamily="34" charset="0"/>
                 <a:cs typeface="Arial" panose="020B0604020202020204" pitchFamily="34" charset="0"/>
               </a:rPr>
               <a:t>stage_sas_urls</a:t>
             </a:r>
-            <a:endParaRPr lang="en-GB" sz="1200" b="0" dirty="0">
+            <a:endParaRPr lang="en-GB" sz="1100" b="0" dirty="0">
               <a:latin typeface="Arial" panose="020B0604020202020204" pitchFamily="34" charset="0"/>
               <a:cs typeface="Arial" panose="020B0604020202020204" pitchFamily="34" charset="0"/>
             </a:endParaRPr>
@@ -3594,7 +3594,7 @@
     </p:spTree>
     <p:extLst>
       <p:ext uri="{BB962C8B-B14F-4D97-AF65-F5344CB8AC3E}">
-        <p14:creationId xmlns:p14="http://schemas.microsoft.com/office/powerpoint/2010/main" val="1181278433"/>
+        <p14:creationId xmlns:p14="http://schemas.microsoft.com/office/powerpoint/2010/main" val="2469977368"/>
       </p:ext>
     </p:extLst>
   </p:cSld>
@@ -3624,7 +3624,7 @@
         <p:cNvPr id="1" name="">
           <a:extLst>
             <a:ext uri="{FF2B5EF4-FFF2-40B4-BE49-F238E27FC236}">
-              <a16:creationId xmlns:a16="http://schemas.microsoft.com/office/drawing/2014/main" id="{091D3D4A-792A-9191-9AAE-016ACFF056DD}"/>
+              <a16:creationId xmlns:a16="http://schemas.microsoft.com/office/drawing/2014/main" id="{B6F824FD-CB73-ECD4-F85B-268E24FCD6C2}"/>
             </a:ext>
           </a:extLst>
         </p:cNvPr>
@@ -3644,7 +3644,7 @@
           <p:cNvPr id="8" name="Text Placeholder 7">
             <a:extLst>
               <a:ext uri="{FF2B5EF4-FFF2-40B4-BE49-F238E27FC236}">
-                <a16:creationId xmlns:a16="http://schemas.microsoft.com/office/drawing/2014/main" id="{E627908B-612A-EA27-A0A8-DC984F99CFB6}"/>
+                <a16:creationId xmlns:a16="http://schemas.microsoft.com/office/drawing/2014/main" id="{2E96C626-07B0-96AB-DEC9-857051A8FCD5}"/>
               </a:ext>
             </a:extLst>
           </p:cNvPr>
@@ -3672,7 +3672,7 @@
           <p:cNvPr id="7" name="Title 6">
             <a:extLst>
               <a:ext uri="{FF2B5EF4-FFF2-40B4-BE49-F238E27FC236}">
-                <a16:creationId xmlns:a16="http://schemas.microsoft.com/office/drawing/2014/main" id="{6D4367B3-BC0F-92D1-AC99-4882AB04A933}"/>
+                <a16:creationId xmlns:a16="http://schemas.microsoft.com/office/drawing/2014/main" id="{69D1FC23-AD93-B03D-760A-F174CB58A7DE}"/>
               </a:ext>
             </a:extLst>
           </p:cNvPr>
@@ -3706,7 +3706,7 @@
           <p:cNvPr id="3" name="TextBox 2">
             <a:extLst>
               <a:ext uri="{FF2B5EF4-FFF2-40B4-BE49-F238E27FC236}">
-                <a16:creationId xmlns:a16="http://schemas.microsoft.com/office/drawing/2014/main" id="{18E13A31-46EB-13BD-953B-D341EC026F3C}"/>
+                <a16:creationId xmlns:a16="http://schemas.microsoft.com/office/drawing/2014/main" id="{6FB4F8F9-AA01-8DF6-3E2E-B096C4DE73AD}"/>
               </a:ext>
             </a:extLst>
           </p:cNvPr>
@@ -3716,7 +3716,7 @@
         <p:spPr>
           <a:xfrm>
             <a:off x="763929" y="1851951"/>
-            <a:ext cx="3622876" cy="184666"/>
+            <a:ext cx="3622876" cy="169277"/>
           </a:xfrm>
           <a:prstGeom prst="rect">
             <a:avLst/>
@@ -3730,7 +3730,7 @@
           <a:p>
             <a:pPr algn="l"/>
             <a:r>
-              <a:rPr kumimoji="0" lang="en-GB" sz="1200" b="0" i="0" u="none" strike="noStrike" kern="1200" cap="none" spc="0" normalizeH="0" baseline="0" noProof="0" dirty="0" err="1">
+              <a:rPr kumimoji="0" lang="en-GB" sz="1100" b="0" i="0" u="none" strike="noStrike" kern="1200" cap="none" spc="0" normalizeH="0" baseline="0" noProof="0" dirty="0" err="1">
                 <a:ln>
                   <a:noFill/>
                 </a:ln>
@@ -3742,7 +3742,7 @@
               </a:rPr>
               <a:t>stage_overview</a:t>
             </a:r>
-            <a:endParaRPr lang="en-GB" sz="1200" b="0" dirty="0">
+            <a:endParaRPr lang="en-GB" sz="1100" b="0" dirty="0">
               <a:latin typeface="Arial" panose="020B0604020202020204" pitchFamily="34" charset="0"/>
               <a:cs typeface="Arial" panose="020B0604020202020204" pitchFamily="34" charset="0"/>
             </a:endParaRPr>
@@ -3754,7 +3754,7 @@
           <p:cNvPr id="4" name="TextBox 3">
             <a:extLst>
               <a:ext uri="{FF2B5EF4-FFF2-40B4-BE49-F238E27FC236}">
-                <a16:creationId xmlns:a16="http://schemas.microsoft.com/office/drawing/2014/main" id="{A57A404F-9AC5-ABC7-B0B2-C50ECAB43609}"/>
+                <a16:creationId xmlns:a16="http://schemas.microsoft.com/office/drawing/2014/main" id="{E07E8566-67D6-5A42-4209-10FE7F297823}"/>
               </a:ext>
             </a:extLst>
           </p:cNvPr>
@@ -3764,7 +3764,7 @@
         <p:spPr>
           <a:xfrm>
             <a:off x="763929" y="3974804"/>
-            <a:ext cx="3622876" cy="184666"/>
+            <a:ext cx="3622876" cy="169277"/>
           </a:xfrm>
           <a:prstGeom prst="rect">
             <a:avLst/>
@@ -3778,13 +3778,13 @@
           <a:p>
             <a:pPr algn="l"/>
             <a:r>
-              <a:rPr lang="en-GB" sz="1200" dirty="0" err="1">
+              <a:rPr lang="en-GB" sz="1100" dirty="0" err="1">
                 <a:latin typeface="Arial" panose="020B0604020202020204" pitchFamily="34" charset="0"/>
                 <a:cs typeface="Arial" panose="020B0604020202020204" pitchFamily="34" charset="0"/>
               </a:rPr>
               <a:t>stage_messaging</a:t>
             </a:r>
-            <a:endParaRPr lang="en-GB" sz="1200" b="0" dirty="0">
+            <a:endParaRPr lang="en-GB" sz="1100" b="0" dirty="0">
               <a:latin typeface="Arial" panose="020B0604020202020204" pitchFamily="34" charset="0"/>
               <a:cs typeface="Arial" panose="020B0604020202020204" pitchFamily="34" charset="0"/>
             </a:endParaRPr>
@@ -3796,7 +3796,7 @@
           <p:cNvPr id="5" name="TextBox 4">
             <a:extLst>
               <a:ext uri="{FF2B5EF4-FFF2-40B4-BE49-F238E27FC236}">
-                <a16:creationId xmlns:a16="http://schemas.microsoft.com/office/drawing/2014/main" id="{C9AB7711-01A2-C71B-16EE-25B8107DB574}"/>
+                <a16:creationId xmlns:a16="http://schemas.microsoft.com/office/drawing/2014/main" id="{E86018DD-D2BC-AA87-33A1-4BD2FCB60B30}"/>
               </a:ext>
             </a:extLst>
           </p:cNvPr>
@@ -3806,7 +3806,7 @@
         <p:spPr>
           <a:xfrm>
             <a:off x="763929" y="5169868"/>
-            <a:ext cx="3622876" cy="184666"/>
+            <a:ext cx="3622876" cy="169277"/>
           </a:xfrm>
           <a:prstGeom prst="rect">
             <a:avLst/>
@@ -3820,13 +3820,13 @@
           <a:p>
             <a:pPr algn="l"/>
             <a:r>
-              <a:rPr lang="en-GB" sz="1200" dirty="0" err="1">
+              <a:rPr lang="en-GB" sz="1100" dirty="0" err="1">
                 <a:latin typeface="Arial" panose="020B0604020202020204" pitchFamily="34" charset="0"/>
                 <a:cs typeface="Arial" panose="020B0604020202020204" pitchFamily="34" charset="0"/>
               </a:rPr>
               <a:t>stage_imagery</a:t>
             </a:r>
-            <a:endParaRPr lang="en-GB" sz="1200" b="0" dirty="0">
+            <a:endParaRPr lang="en-GB" sz="1100" b="0" dirty="0">
               <a:latin typeface="Arial" panose="020B0604020202020204" pitchFamily="34" charset="0"/>
               <a:cs typeface="Arial" panose="020B0604020202020204" pitchFamily="34" charset="0"/>
             </a:endParaRPr>
@@ -3838,7 +3838,7 @@
           <p:cNvPr id="6" name="TextBox 5">
             <a:extLst>
               <a:ext uri="{FF2B5EF4-FFF2-40B4-BE49-F238E27FC236}">
-                <a16:creationId xmlns:a16="http://schemas.microsoft.com/office/drawing/2014/main" id="{1AE28333-8154-2459-B191-EDC32EA74D88}"/>
+                <a16:creationId xmlns:a16="http://schemas.microsoft.com/office/drawing/2014/main" id="{01868E94-F4B5-E867-800D-FD759B24964A}"/>
               </a:ext>
             </a:extLst>
           </p:cNvPr>
@@ -3848,7 +3848,7 @@
         <p:spPr>
           <a:xfrm>
             <a:off x="4955893" y="1491048"/>
-            <a:ext cx="6472177" cy="184666"/>
+            <a:ext cx="6472177" cy="169277"/>
           </a:xfrm>
           <a:prstGeom prst="rect">
             <a:avLst/>
@@ -3862,13 +3862,13 @@
           <a:p>
             <a:pPr algn="l"/>
             <a:r>
-              <a:rPr lang="en-GB" sz="1200" dirty="0" err="1">
+              <a:rPr lang="en-GB" sz="1100" dirty="0" err="1">
                 <a:latin typeface="Arial" panose="020B0604020202020204" pitchFamily="34" charset="0"/>
                 <a:cs typeface="Arial" panose="020B0604020202020204" pitchFamily="34" charset="0"/>
               </a:rPr>
               <a:t>stage_sas_urls</a:t>
             </a:r>
-            <a:endParaRPr lang="en-GB" sz="1200" b="0" dirty="0">
+            <a:endParaRPr lang="en-GB" sz="1100" b="0" dirty="0">
               <a:latin typeface="Arial" panose="020B0604020202020204" pitchFamily="34" charset="0"/>
               <a:cs typeface="Arial" panose="020B0604020202020204" pitchFamily="34" charset="0"/>
             </a:endParaRPr>
@@ -3878,7 +3878,7 @@
     </p:spTree>
     <p:extLst>
       <p:ext uri="{BB962C8B-B14F-4D97-AF65-F5344CB8AC3E}">
-        <p14:creationId xmlns:p14="http://schemas.microsoft.com/office/powerpoint/2010/main" val="2438414571"/>
+        <p14:creationId xmlns:p14="http://schemas.microsoft.com/office/powerpoint/2010/main" val="3160467876"/>
       </p:ext>
     </p:extLst>
   </p:cSld>
@@ -4577,6 +4577,15 @@
 </file>
 
 <file path=customXml/item1.xml><?xml version="1.0" encoding="utf-8"?>
+<?mso-contentType ?>
+<FormTemplates xmlns="http://schemas.microsoft.com/sharepoint/v3/contenttype/forms">
+  <Display>DocumentLibraryForm</Display>
+  <Edit>DocumentLibraryForm</Edit>
+  <New>DocumentLibraryForm</New>
+</FormTemplates>
+</file>
+
+<file path=customXml/item2.xml><?xml version="1.0" encoding="utf-8"?>
 <ct:contentTypeSchema xmlns:ct="http://schemas.microsoft.com/office/2006/metadata/contentType" xmlns:ma="http://schemas.microsoft.com/office/2006/metadata/properties/metaAttributes" ct:_="" ma:_="" ma:contentTypeName="Document" ma:contentTypeID="0x010100A2CD2B7DD7D5E348A4B5B847AD49C1E4" ma:contentTypeVersion="15" ma:contentTypeDescription="Create a new document." ma:contentTypeScope="" ma:versionID="8e0e392dcf65750e3ad704a59f705fb3">
   <xsd:schema xmlns:xsd="http://www.w3.org/2001/XMLSchema" xmlns:xs="http://www.w3.org/2001/XMLSchema" xmlns:p="http://schemas.microsoft.com/office/2006/metadata/properties" xmlns:ns2="737cdb0d-9f15-48ec-9529-975a91239bb1" xmlns:ns3="9bea065c-4598-471b-a0d8-b208471d6a41" targetNamespace="http://schemas.microsoft.com/office/2006/metadata/properties" ma:root="true" ma:fieldsID="16d7d9ff6e2e2d483fddd166083c89fa" ns2:_="" ns3:_="">
     <xsd:import namespace="737cdb0d-9f15-48ec-9529-975a91239bb1"/>
@@ -4811,15 +4820,6 @@
 </ct:contentTypeSchema>
 </file>
 
-<file path=customXml/item2.xml><?xml version="1.0" encoding="utf-8"?>
-<?mso-contentType ?>
-<FormTemplates xmlns="http://schemas.microsoft.com/sharepoint/v3/contenttype/forms">
-  <Display>DocumentLibraryForm</Display>
-  <Edit>DocumentLibraryForm</Edit>
-  <New>DocumentLibraryForm</New>
-</FormTemplates>
-</file>
-
 <file path=customXml/item3.xml><?xml version="1.0" encoding="utf-8"?>
 <p:properties xmlns:p="http://schemas.microsoft.com/office/2006/metadata/properties" xmlns:xsi="http://www.w3.org/2001/XMLSchema-instance" xmlns:pc="http://schemas.microsoft.com/office/infopath/2007/PartnerControls">
   <documentManagement>
@@ -4832,6 +4832,14 @@
 </file>
 
 <file path=customXml/itemProps1.xml><?xml version="1.0" encoding="utf-8"?>
+<ds:datastoreItem xmlns:ds="http://schemas.openxmlformats.org/officeDocument/2006/customXml" ds:itemID="{3BB299B6-1159-4940-B296-E198453C8E80}">
+  <ds:schemaRefs>
+    <ds:schemaRef ds:uri="http://schemas.microsoft.com/sharepoint/v3/contenttype/forms"/>
+  </ds:schemaRefs>
+</ds:datastoreItem>
+</file>
+
+<file path=customXml/itemProps2.xml><?xml version="1.0" encoding="utf-8"?>
 <ds:datastoreItem xmlns:ds="http://schemas.openxmlformats.org/officeDocument/2006/customXml" ds:itemID="{C4D443D4-D2BB-47D9-93BA-F264F5B47780}">
   <ds:schemaRefs>
     <ds:schemaRef ds:uri="737cdb0d-9f15-48ec-9529-975a91239bb1"/>
@@ -4846,14 +4854,6 @@
     <ds:schemaRef ds:uri="http://schemas.microsoft.com/office/infopath/2007/PartnerControls"/>
     <ds:schemaRef ds:uri="http://schemas.openxmlformats.org/package/2006/metadata/core-properties"/>
     <ds:schemaRef ds:uri="http://www.w3.org/2001/XMLSchema"/>
-  </ds:schemaRefs>
-</ds:datastoreItem>
-</file>
-
-<file path=customXml/itemProps2.xml><?xml version="1.0" encoding="utf-8"?>
-<ds:datastoreItem xmlns:ds="http://schemas.openxmlformats.org/officeDocument/2006/customXml" ds:itemID="{3BB299B6-1159-4940-B296-E198453C8E80}">
-  <ds:schemaRefs>
-    <ds:schemaRef ds:uri="http://schemas.microsoft.com/sharepoint/v3/contenttype/forms"/>
   </ds:schemaRefs>
 </ds:datastoreItem>
 </file>
